--- a/Presentation.pptx
+++ b/Presentation.pptx
@@ -23511,6 +23511,762 @@
 </dgm:styleDef>
 </file>
 
+<file path=ppt/ink/ink1.xml><?xml version="1.0" encoding="utf-8"?>
+<inkml:ink xmlns:inkml="http://www.w3.org/2003/InkML">
+  <inkml:definitions>
+    <inkml:context xml:id="ctx0">
+      <inkml:inkSource xml:id="inkSrc0">
+        <inkml:traceFormat>
+          <inkml:channel name="X" type="integer" min="-2.14748E9" max="2.14748E9" units="cm"/>
+          <inkml:channel name="Y" type="integer" min="-2.14748E9" max="2.14748E9" units="cm"/>
+        </inkml:traceFormat>
+        <inkml:channelProperties>
+          <inkml:channelProperty channel="X" name="resolution" value="1000" units="1/cm"/>
+          <inkml:channelProperty channel="Y" name="resolution" value="1000" units="1/cm"/>
+        </inkml:channelProperties>
+      </inkml:inkSource>
+      <inkml:timestamp xml:id="ts0" timeString="2020-10-22T18:33:35.474"/>
+    </inkml:context>
+    <inkml:brush xml:id="br0">
+      <inkml:brushProperty name="width" value="0.05" units="cm"/>
+      <inkml:brushProperty name="height" value="0.05" units="cm"/>
+      <inkml:brushProperty name="color" value="#FFFFFF"/>
+      <inkml:brushProperty name="ignorePressure" value="1"/>
+    </inkml:brush>
+  </inkml:definitions>
+  <inkml:trace contextRef="#ctx0" brushRef="#br0">83 348,'1'-53,"1"34,-1-1,-2 0,0 1,-7-39,8 56,0 1,0 0,-1-1,1 1,-1 0,1-1,-1 1,1 0,-1 0,0 0,0-1,1 1,-1 0,0 0,0 0,0 0,0 0,0 1,0-1,-1 0,-1-1,2 3,0-1,0 0,0 0,0 1,0-1,0 0,0 1,0-1,0 1,1-1,-1 1,0-1,0 1,0 0,0 0,1-1,-1 1,0 0,1 0,-1 0,1 0,-1 0,1-1,-1 1,1 0,0 0,-1 0,1 2,-8 18,1 0,1 1,1-1,1 1,-2 27,9-59,0 0,0 1,1 0,0 0,1 0,0 0,9-11,-8 10,2 0,-1 0,1 1,1 0,-1 1,2 0,10-8,-13 9,-13 3,-27 2,-1 0,33 2,1 0,-1-1,1 1,-1 0,1 0,-1-1,1 1,-1-1,1 1,-1 0,1-1,0 1,-1-1,1 1,-1-1,1 1,0-1,0 0,-1 1,1-1,0 1,0-1,0 1,-1-1,1 0,0 1,0-1,0 0,0 1,0-1,0 1,1-1,-1-1,9-21,-5 15,1-3,-1-1,0 1,3-19,-6 30,-1-1,0 0,0 1,0-1,0 1,0-1,0 1,0-1,0 1,0-1,0 1,0-1,0 1,-1-1,1 1,0-1,0 1,0-1,-1 1,1-1,0 1,-1 0,1-1,0 1,-1-1,1 1,-1 0,1-1,0 1,-1 0,1 0,-1-1,0 1,0 0,-1-1,0 1,0 0,1 0,-1 0,0 0,1 0,-1 0,0 1,-2 0,-2 0,1 1,0 0,-1 0,1 0,-7 6,11-8,1 0,-1 1,0-1,1 0,-1 1,1-1,-1 1,1-1,-1 1,1 0,-1-1,1 1,-1-1,1 1,0 0,-1-1,1 1,0 0,0-1,0 1,0 0,-1 0,1-1,0 1,0 0,0 0,0-1,0 1,1 0,-1-1,0 1,0 1,1-1,0 0,0 0,0 0,1 0,-1 0,0 0,0 0,0 0,1 0,-1 0,0-1,1 1,-1-1,3 1,9 3</inkml:trace>
+</inkml:ink>
+</file>
+
+<file path=ppt/ink/ink10.xml><?xml version="1.0" encoding="utf-8"?>
+<inkml:ink xmlns:inkml="http://www.w3.org/2003/InkML">
+  <inkml:definitions>
+    <inkml:context xml:id="ctx0">
+      <inkml:inkSource xml:id="inkSrc0">
+        <inkml:traceFormat>
+          <inkml:channel name="X" type="integer" min="-2.14748E9" max="2.14748E9" units="cm"/>
+          <inkml:channel name="Y" type="integer" min="-2.14748E9" max="2.14748E9" units="cm"/>
+        </inkml:traceFormat>
+        <inkml:channelProperties>
+          <inkml:channelProperty channel="X" name="resolution" value="1000" units="1/cm"/>
+          <inkml:channelProperty channel="Y" name="resolution" value="1000" units="1/cm"/>
+        </inkml:channelProperties>
+      </inkml:inkSource>
+      <inkml:timestamp xml:id="ts0" timeString="2020-10-22T18:34:28.363"/>
+    </inkml:context>
+    <inkml:brush xml:id="br0">
+      <inkml:brushProperty name="width" value="0.35" units="cm"/>
+      <inkml:brushProperty name="height" value="0.35" units="cm"/>
+      <inkml:brushProperty name="color" value="#FFFFFF"/>
+      <inkml:brushProperty name="ignorePressure" value="1"/>
+    </inkml:brush>
+  </inkml:definitions>
+  <inkml:trace contextRef="#ctx0" brushRef="#br0">81 313,'0'-4,"-4"-2,-2-4,-4-5,0-5,1-3,2-2,-2 3,1 1,1-5,2-3,2 0,1-1,1 1,1 5</inkml:trace>
+</inkml:ink>
+</file>
+
+<file path=ppt/ink/ink11.xml><?xml version="1.0" encoding="utf-8"?>
+<inkml:ink xmlns:inkml="http://www.w3.org/2003/InkML">
+  <inkml:definitions>
+    <inkml:context xml:id="ctx0">
+      <inkml:inkSource xml:id="inkSrc0">
+        <inkml:traceFormat>
+          <inkml:channel name="X" type="integer" min="-2.14748E9" max="2.14748E9" units="cm"/>
+          <inkml:channel name="Y" type="integer" min="-2.14748E9" max="2.14748E9" units="cm"/>
+        </inkml:traceFormat>
+        <inkml:channelProperties>
+          <inkml:channelProperty channel="X" name="resolution" value="1000" units="1/cm"/>
+          <inkml:channelProperty channel="Y" name="resolution" value="1000" units="1/cm"/>
+        </inkml:channelProperties>
+      </inkml:inkSource>
+      <inkml:timestamp xml:id="ts0" timeString="2020-10-22T18:40:46.395"/>
+    </inkml:context>
+    <inkml:brush xml:id="br0">
+      <inkml:brushProperty name="width" value="0.1" units="cm"/>
+      <inkml:brushProperty name="height" value="0.1" units="cm"/>
+      <inkml:brushProperty name="color" value="#FFFFFF"/>
+      <inkml:brushProperty name="ignorePressure" value="1"/>
+    </inkml:brush>
+  </inkml:definitions>
+  <inkml:trace contextRef="#ctx0" brushRef="#br0">0 207,'0'-5,"0"-6,4 0,2-4,4-8,1-4,-2-3,-3 0,-1 0,-3 5</inkml:trace>
+</inkml:ink>
+</file>
+
+<file path=ppt/ink/ink12.xml><?xml version="1.0" encoding="utf-8"?>
+<inkml:ink xmlns:inkml="http://www.w3.org/2003/InkML">
+  <inkml:definitions>
+    <inkml:context xml:id="ctx0">
+      <inkml:inkSource xml:id="inkSrc0">
+        <inkml:traceFormat>
+          <inkml:channel name="X" type="integer" min="-2.14748E9" max="2.14748E9" units="cm"/>
+          <inkml:channel name="Y" type="integer" min="-2.14748E9" max="2.14748E9" units="cm"/>
+        </inkml:traceFormat>
+        <inkml:channelProperties>
+          <inkml:channelProperty channel="X" name="resolution" value="1000" units="1/cm"/>
+          <inkml:channelProperty channel="Y" name="resolution" value="1000" units="1/cm"/>
+        </inkml:channelProperties>
+      </inkml:inkSource>
+      <inkml:timestamp xml:id="ts0" timeString="2020-10-22T18:40:35.763"/>
+    </inkml:context>
+    <inkml:brush xml:id="br0">
+      <inkml:brushProperty name="width" value="0.1" units="cm"/>
+      <inkml:brushProperty name="height" value="0.1" units="cm"/>
+      <inkml:brushProperty name="color" value="#FFFFFF"/>
+      <inkml:brushProperty name="ignorePressure" value="1"/>
+    </inkml:brush>
+  </inkml:definitions>
+  <inkml:trace contextRef="#ctx0" brushRef="#br0">0 1,'0'0</inkml:trace>
+</inkml:ink>
+</file>
+
+<file path=ppt/ink/ink13.xml><?xml version="1.0" encoding="utf-8"?>
+<inkml:ink xmlns:inkml="http://www.w3.org/2003/InkML">
+  <inkml:definitions>
+    <inkml:context xml:id="ctx0">
+      <inkml:inkSource xml:id="inkSrc0">
+        <inkml:traceFormat>
+          <inkml:channel name="X" type="integer" min="-2.14748E9" max="2.14748E9" units="cm"/>
+          <inkml:channel name="Y" type="integer" min="-2.14748E9" max="2.14748E9" units="cm"/>
+        </inkml:traceFormat>
+        <inkml:channelProperties>
+          <inkml:channelProperty channel="X" name="resolution" value="1000" units="1/cm"/>
+          <inkml:channelProperty channel="Y" name="resolution" value="1000" units="1/cm"/>
+        </inkml:channelProperties>
+      </inkml:inkSource>
+      <inkml:timestamp xml:id="ts0" timeString="2020-10-22T18:40:36.681"/>
+    </inkml:context>
+    <inkml:brush xml:id="br0">
+      <inkml:brushProperty name="width" value="0.1" units="cm"/>
+      <inkml:brushProperty name="height" value="0.1" units="cm"/>
+      <inkml:brushProperty name="color" value="#FFFFFF"/>
+      <inkml:brushProperty name="ignorePressure" value="1"/>
+    </inkml:brush>
+  </inkml:definitions>
+  <inkml:trace contextRef="#ctx0" brushRef="#br0">0 1,'0'0</inkml:trace>
+</inkml:ink>
+</file>
+
+<file path=ppt/ink/ink14.xml><?xml version="1.0" encoding="utf-8"?>
+<inkml:ink xmlns:inkml="http://www.w3.org/2003/InkML">
+  <inkml:definitions>
+    <inkml:context xml:id="ctx0">
+      <inkml:inkSource xml:id="inkSrc0">
+        <inkml:traceFormat>
+          <inkml:channel name="X" type="integer" min="-2.14748E9" max="2.14748E9" units="cm"/>
+          <inkml:channel name="Y" type="integer" min="-2.14748E9" max="2.14748E9" units="cm"/>
+        </inkml:traceFormat>
+        <inkml:channelProperties>
+          <inkml:channelProperty channel="X" name="resolution" value="1000" units="1/cm"/>
+          <inkml:channelProperty channel="Y" name="resolution" value="1000" units="1/cm"/>
+        </inkml:channelProperties>
+      </inkml:inkSource>
+      <inkml:timestamp xml:id="ts0" timeString="2020-10-22T18:40:40.026"/>
+    </inkml:context>
+    <inkml:brush xml:id="br0">
+      <inkml:brushProperty name="width" value="0.1" units="cm"/>
+      <inkml:brushProperty name="height" value="0.1" units="cm"/>
+      <inkml:brushProperty name="color" value="#FFFFFF"/>
+      <inkml:brushProperty name="ignorePressure" value="1"/>
+    </inkml:brush>
+  </inkml:definitions>
+  <inkml:trace contextRef="#ctx0" brushRef="#br0">0 1,'0'0</inkml:trace>
+</inkml:ink>
+</file>
+
+<file path=ppt/ink/ink15.xml><?xml version="1.0" encoding="utf-8"?>
+<inkml:ink xmlns:inkml="http://www.w3.org/2003/InkML">
+  <inkml:definitions>
+    <inkml:context xml:id="ctx0">
+      <inkml:inkSource xml:id="inkSrc0">
+        <inkml:traceFormat>
+          <inkml:channel name="X" type="integer" min="-2.14748E9" max="2.14748E9" units="cm"/>
+          <inkml:channel name="Y" type="integer" min="-2.14748E9" max="2.14748E9" units="cm"/>
+        </inkml:traceFormat>
+        <inkml:channelProperties>
+          <inkml:channelProperty channel="X" name="resolution" value="1000" units="1/cm"/>
+          <inkml:channelProperty channel="Y" name="resolution" value="1000" units="1/cm"/>
+        </inkml:channelProperties>
+      </inkml:inkSource>
+      <inkml:timestamp xml:id="ts0" timeString="2020-10-22T18:40:42.911"/>
+    </inkml:context>
+    <inkml:brush xml:id="br0">
+      <inkml:brushProperty name="width" value="0.1" units="cm"/>
+      <inkml:brushProperty name="height" value="0.1" units="cm"/>
+      <inkml:brushProperty name="color" value="#FFFFFF"/>
+      <inkml:brushProperty name="ignorePressure" value="1"/>
+    </inkml:brush>
+  </inkml:definitions>
+  <inkml:trace contextRef="#ctx0" brushRef="#br0">1 0,'0'0</inkml:trace>
+</inkml:ink>
+</file>
+
+<file path=ppt/ink/ink16.xml><?xml version="1.0" encoding="utf-8"?>
+<inkml:ink xmlns:inkml="http://www.w3.org/2003/InkML">
+  <inkml:definitions>
+    <inkml:context xml:id="ctx0">
+      <inkml:inkSource xml:id="inkSrc0">
+        <inkml:traceFormat>
+          <inkml:channel name="X" type="integer" min="-2.14748E9" max="2.14748E9" units="cm"/>
+          <inkml:channel name="Y" type="integer" min="-2.14748E9" max="2.14748E9" units="cm"/>
+        </inkml:traceFormat>
+        <inkml:channelProperties>
+          <inkml:channelProperty channel="X" name="resolution" value="1000" units="1/cm"/>
+          <inkml:channelProperty channel="Y" name="resolution" value="1000" units="1/cm"/>
+        </inkml:channelProperties>
+      </inkml:inkSource>
+      <inkml:timestamp xml:id="ts0" timeString="2020-10-22T18:40:51.489"/>
+    </inkml:context>
+    <inkml:brush xml:id="br0">
+      <inkml:brushProperty name="width" value="0.1" units="cm"/>
+      <inkml:brushProperty name="height" value="0.1" units="cm"/>
+      <inkml:brushProperty name="color" value="#FFFFFF"/>
+      <inkml:brushProperty name="ignorePressure" value="1"/>
+    </inkml:brush>
+  </inkml:definitions>
+  <inkml:trace contextRef="#ctx0" brushRef="#br0">0 1,'0'4,"0"7,0 5,4 5,2 3,4-3,1-4</inkml:trace>
+</inkml:ink>
+</file>
+
+<file path=ppt/ink/ink17.xml><?xml version="1.0" encoding="utf-8"?>
+<inkml:ink xmlns:inkml="http://www.w3.org/2003/InkML">
+  <inkml:definitions>
+    <inkml:context xml:id="ctx0">
+      <inkml:inkSource xml:id="inkSrc0">
+        <inkml:traceFormat>
+          <inkml:channel name="X" type="integer" min="-2.14748E9" max="2.14748E9" units="cm"/>
+          <inkml:channel name="Y" type="integer" min="-2.14748E9" max="2.14748E9" units="cm"/>
+        </inkml:traceFormat>
+        <inkml:channelProperties>
+          <inkml:channelProperty channel="X" name="resolution" value="1000" units="1/cm"/>
+          <inkml:channelProperty channel="Y" name="resolution" value="1000" units="1/cm"/>
+        </inkml:channelProperties>
+      </inkml:inkSource>
+      <inkml:timestamp xml:id="ts0" timeString="2020-10-22T18:42:49.233"/>
+    </inkml:context>
+    <inkml:brush xml:id="br0">
+      <inkml:brushProperty name="width" value="0.35" units="cm"/>
+      <inkml:brushProperty name="height" value="0.35" units="cm"/>
+      <inkml:brushProperty name="color" value="#FFFFFF"/>
+      <inkml:brushProperty name="ignorePressure" value="1"/>
+    </inkml:brush>
+  </inkml:definitions>
+  <inkml:trace contextRef="#ctx0" brushRef="#br0">1 0,'0'0</inkml:trace>
+</inkml:ink>
+</file>
+
+<file path=ppt/ink/ink18.xml><?xml version="1.0" encoding="utf-8"?>
+<inkml:ink xmlns:inkml="http://www.w3.org/2003/InkML">
+  <inkml:definitions>
+    <inkml:context xml:id="ctx0">
+      <inkml:inkSource xml:id="inkSrc0">
+        <inkml:traceFormat>
+          <inkml:channel name="X" type="integer" min="-2.14748E9" max="2.14748E9" units="cm"/>
+          <inkml:channel name="Y" type="integer" min="-2.14748E9" max="2.14748E9" units="cm"/>
+        </inkml:traceFormat>
+        <inkml:channelProperties>
+          <inkml:channelProperty channel="X" name="resolution" value="1000" units="1/cm"/>
+          <inkml:channelProperty channel="Y" name="resolution" value="1000" units="1/cm"/>
+        </inkml:channelProperties>
+      </inkml:inkSource>
+      <inkml:timestamp xml:id="ts0" timeString="2020-10-22T18:42:50.953"/>
+    </inkml:context>
+    <inkml:brush xml:id="br0">
+      <inkml:brushProperty name="width" value="0.35" units="cm"/>
+      <inkml:brushProperty name="height" value="0.35" units="cm"/>
+      <inkml:brushProperty name="color" value="#FFFFFF"/>
+      <inkml:brushProperty name="ignorePressure" value="1"/>
+    </inkml:brush>
+  </inkml:definitions>
+  <inkml:trace contextRef="#ctx0" brushRef="#br0">1 1,'0'0</inkml:trace>
+</inkml:ink>
+</file>
+
+<file path=ppt/ink/ink19.xml><?xml version="1.0" encoding="utf-8"?>
+<inkml:ink xmlns:inkml="http://www.w3.org/2003/InkML">
+  <inkml:definitions>
+    <inkml:context xml:id="ctx0">
+      <inkml:inkSource xml:id="inkSrc0">
+        <inkml:traceFormat>
+          <inkml:channel name="X" type="integer" min="-2.14748E9" max="2.14748E9" units="cm"/>
+          <inkml:channel name="Y" type="integer" min="-2.14748E9" max="2.14748E9" units="cm"/>
+        </inkml:traceFormat>
+        <inkml:channelProperties>
+          <inkml:channelProperty channel="X" name="resolution" value="1000" units="1/cm"/>
+          <inkml:channelProperty channel="Y" name="resolution" value="1000" units="1/cm"/>
+        </inkml:channelProperties>
+      </inkml:inkSource>
+      <inkml:timestamp xml:id="ts0" timeString="2020-10-22T18:42:55.047"/>
+    </inkml:context>
+    <inkml:brush xml:id="br0">
+      <inkml:brushProperty name="width" value="0.35" units="cm"/>
+      <inkml:brushProperty name="height" value="0.35" units="cm"/>
+      <inkml:brushProperty name="color" value="#FFFFFF"/>
+      <inkml:brushProperty name="ignorePressure" value="1"/>
+    </inkml:brush>
+  </inkml:definitions>
+  <inkml:trace contextRef="#ctx0" brushRef="#br0">1 1,'0'0</inkml:trace>
+</inkml:ink>
+</file>
+
+<file path=ppt/ink/ink2.xml><?xml version="1.0" encoding="utf-8"?>
+<inkml:ink xmlns:inkml="http://www.w3.org/2003/InkML">
+  <inkml:definitions>
+    <inkml:context xml:id="ctx0">
+      <inkml:inkSource xml:id="inkSrc0">
+        <inkml:traceFormat>
+          <inkml:channel name="X" type="integer" min="-2.14748E9" max="2.14748E9" units="cm"/>
+          <inkml:channel name="Y" type="integer" min="-2.14748E9" max="2.14748E9" units="cm"/>
+        </inkml:traceFormat>
+        <inkml:channelProperties>
+          <inkml:channelProperty channel="X" name="resolution" value="1000" units="1/cm"/>
+          <inkml:channelProperty channel="Y" name="resolution" value="1000" units="1/cm"/>
+        </inkml:channelProperties>
+      </inkml:inkSource>
+      <inkml:timestamp xml:id="ts0" timeString="2020-10-22T18:33:43.163"/>
+    </inkml:context>
+    <inkml:brush xml:id="br0">
+      <inkml:brushProperty name="width" value="0.05" units="cm"/>
+      <inkml:brushProperty name="height" value="0.05" units="cm"/>
+      <inkml:brushProperty name="color" value="#FFFFFF"/>
+      <inkml:brushProperty name="ignorePressure" value="1"/>
+    </inkml:brush>
+  </inkml:definitions>
+  <inkml:trace contextRef="#ctx0" brushRef="#br0">0 188,'0'65,"0"-318,0 564,0-372,0 37</inkml:trace>
+</inkml:ink>
+</file>
+
+<file path=ppt/ink/ink20.xml><?xml version="1.0" encoding="utf-8"?>
+<inkml:ink xmlns:inkml="http://www.w3.org/2003/InkML">
+  <inkml:definitions>
+    <inkml:context xml:id="ctx0">
+      <inkml:inkSource xml:id="inkSrc0">
+        <inkml:traceFormat>
+          <inkml:channel name="X" type="integer" min="-2.14748E9" max="2.14748E9" units="cm"/>
+          <inkml:channel name="Y" type="integer" min="-2.14748E9" max="2.14748E9" units="cm"/>
+        </inkml:traceFormat>
+        <inkml:channelProperties>
+          <inkml:channelProperty channel="X" name="resolution" value="1000" units="1/cm"/>
+          <inkml:channelProperty channel="Y" name="resolution" value="1000" units="1/cm"/>
+        </inkml:channelProperties>
+      </inkml:inkSource>
+      <inkml:timestamp xml:id="ts0" timeString="2020-10-22T18:42:56.442"/>
+    </inkml:context>
+    <inkml:brush xml:id="br0">
+      <inkml:brushProperty name="width" value="0.35" units="cm"/>
+      <inkml:brushProperty name="height" value="0.35" units="cm"/>
+      <inkml:brushProperty name="color" value="#FFFFFF"/>
+      <inkml:brushProperty name="ignorePressure" value="1"/>
+    </inkml:brush>
+  </inkml:definitions>
+  <inkml:trace contextRef="#ctx0" brushRef="#br0">1 1</inkml:trace>
+</inkml:ink>
+</file>
+
+<file path=ppt/ink/ink21.xml><?xml version="1.0" encoding="utf-8"?>
+<inkml:ink xmlns:inkml="http://www.w3.org/2003/InkML">
+  <inkml:definitions>
+    <inkml:context xml:id="ctx0">
+      <inkml:inkSource xml:id="inkSrc0">
+        <inkml:traceFormat>
+          <inkml:channel name="X" type="integer" min="-2.14748E9" max="2.14748E9" units="cm"/>
+          <inkml:channel name="Y" type="integer" min="-2.14748E9" max="2.14748E9" units="cm"/>
+        </inkml:traceFormat>
+        <inkml:channelProperties>
+          <inkml:channelProperty channel="X" name="resolution" value="1000" units="1/cm"/>
+          <inkml:channelProperty channel="Y" name="resolution" value="1000" units="1/cm"/>
+        </inkml:channelProperties>
+      </inkml:inkSource>
+      <inkml:timestamp xml:id="ts0" timeString="2020-10-22T18:42:59.273"/>
+    </inkml:context>
+    <inkml:brush xml:id="br0">
+      <inkml:brushProperty name="width" value="0.35" units="cm"/>
+      <inkml:brushProperty name="height" value="0.35" units="cm"/>
+      <inkml:brushProperty name="color" value="#FFFFFF"/>
+      <inkml:brushProperty name="ignorePressure" value="1"/>
+    </inkml:brush>
+  </inkml:definitions>
+  <inkml:trace contextRef="#ctx0" brushRef="#br0">0 1,'0'0</inkml:trace>
+</inkml:ink>
+</file>
+
+<file path=ppt/ink/ink22.xml><?xml version="1.0" encoding="utf-8"?>
+<inkml:ink xmlns:inkml="http://www.w3.org/2003/InkML">
+  <inkml:definitions>
+    <inkml:context xml:id="ctx0">
+      <inkml:inkSource xml:id="inkSrc0">
+        <inkml:traceFormat>
+          <inkml:channel name="X" type="integer" min="-2.14748E9" max="2.14748E9" units="cm"/>
+          <inkml:channel name="Y" type="integer" min="-2.14748E9" max="2.14748E9" units="cm"/>
+        </inkml:traceFormat>
+        <inkml:channelProperties>
+          <inkml:channelProperty channel="X" name="resolution" value="1000" units="1/cm"/>
+          <inkml:channelProperty channel="Y" name="resolution" value="1000" units="1/cm"/>
+        </inkml:channelProperties>
+      </inkml:inkSource>
+      <inkml:timestamp xml:id="ts0" timeString="2020-10-22T18:43:01.557"/>
+    </inkml:context>
+    <inkml:brush xml:id="br0">
+      <inkml:brushProperty name="width" value="0.35" units="cm"/>
+      <inkml:brushProperty name="height" value="0.35" units="cm"/>
+      <inkml:brushProperty name="color" value="#FFFFFF"/>
+      <inkml:brushProperty name="ignorePressure" value="1"/>
+    </inkml:brush>
+  </inkml:definitions>
+  <inkml:trace contextRef="#ctx0" brushRef="#br0">1 1,'0'0</inkml:trace>
+</inkml:ink>
+</file>
+
+<file path=ppt/ink/ink23.xml><?xml version="1.0" encoding="utf-8"?>
+<inkml:ink xmlns:inkml="http://www.w3.org/2003/InkML">
+  <inkml:definitions>
+    <inkml:context xml:id="ctx0">
+      <inkml:inkSource xml:id="inkSrc0">
+        <inkml:traceFormat>
+          <inkml:channel name="X" type="integer" min="-2.14748E9" max="2.14748E9" units="cm"/>
+          <inkml:channel name="Y" type="integer" min="-2.14748E9" max="2.14748E9" units="cm"/>
+        </inkml:traceFormat>
+        <inkml:channelProperties>
+          <inkml:channelProperty channel="X" name="resolution" value="1000" units="1/cm"/>
+          <inkml:channelProperty channel="Y" name="resolution" value="1000" units="1/cm"/>
+        </inkml:channelProperties>
+      </inkml:inkSource>
+      <inkml:timestamp xml:id="ts0" timeString="2020-10-22T18:43:03.319"/>
+    </inkml:context>
+    <inkml:brush xml:id="br0">
+      <inkml:brushProperty name="width" value="0.35" units="cm"/>
+      <inkml:brushProperty name="height" value="0.35" units="cm"/>
+      <inkml:brushProperty name="color" value="#FFFFFF"/>
+      <inkml:brushProperty name="ignorePressure" value="1"/>
+    </inkml:brush>
+  </inkml:definitions>
+  <inkml:trace contextRef="#ctx0" brushRef="#br0">1 1,'0'0</inkml:trace>
+</inkml:ink>
+</file>
+
+<file path=ppt/ink/ink24.xml><?xml version="1.0" encoding="utf-8"?>
+<inkml:ink xmlns:inkml="http://www.w3.org/2003/InkML">
+  <inkml:definitions>
+    <inkml:context xml:id="ctx0">
+      <inkml:inkSource xml:id="inkSrc0">
+        <inkml:traceFormat>
+          <inkml:channel name="X" type="integer" min="-2.14748E9" max="2.14748E9" units="cm"/>
+          <inkml:channel name="Y" type="integer" min="-2.14748E9" max="2.14748E9" units="cm"/>
+        </inkml:traceFormat>
+        <inkml:channelProperties>
+          <inkml:channelProperty channel="X" name="resolution" value="1000" units="1/cm"/>
+          <inkml:channelProperty channel="Y" name="resolution" value="1000" units="1/cm"/>
+        </inkml:channelProperties>
+      </inkml:inkSource>
+      <inkml:timestamp xml:id="ts0" timeString="2020-10-22T18:43:05.860"/>
+    </inkml:context>
+    <inkml:brush xml:id="br0">
+      <inkml:brushProperty name="width" value="0.35" units="cm"/>
+      <inkml:brushProperty name="height" value="0.35" units="cm"/>
+      <inkml:brushProperty name="color" value="#FFFFFF"/>
+      <inkml:brushProperty name="ignorePressure" value="1"/>
+    </inkml:brush>
+  </inkml:definitions>
+  <inkml:trace contextRef="#ctx0" brushRef="#br0">1 1,'0'0</inkml:trace>
+</inkml:ink>
+</file>
+
+<file path=ppt/ink/ink25.xml><?xml version="1.0" encoding="utf-8"?>
+<inkml:ink xmlns:inkml="http://www.w3.org/2003/InkML">
+  <inkml:definitions>
+    <inkml:context xml:id="ctx0">
+      <inkml:inkSource xml:id="inkSrc0">
+        <inkml:traceFormat>
+          <inkml:channel name="X" type="integer" min="-2.14748E9" max="2.14748E9" units="cm"/>
+          <inkml:channel name="Y" type="integer" min="-2.14748E9" max="2.14748E9" units="cm"/>
+        </inkml:traceFormat>
+        <inkml:channelProperties>
+          <inkml:channelProperty channel="X" name="resolution" value="1000" units="1/cm"/>
+          <inkml:channelProperty channel="Y" name="resolution" value="1000" units="1/cm"/>
+        </inkml:channelProperties>
+      </inkml:inkSource>
+      <inkml:timestamp xml:id="ts0" timeString="2020-10-22T18:43:08.482"/>
+    </inkml:context>
+    <inkml:brush xml:id="br0">
+      <inkml:brushProperty name="width" value="0.35" units="cm"/>
+      <inkml:brushProperty name="height" value="0.35" units="cm"/>
+      <inkml:brushProperty name="color" value="#FFFFFF"/>
+      <inkml:brushProperty name="ignorePressure" value="1"/>
+    </inkml:brush>
+  </inkml:definitions>
+  <inkml:trace contextRef="#ctx0" brushRef="#br0">0 1,'0'0</inkml:trace>
+</inkml:ink>
+</file>
+
+<file path=ppt/ink/ink26.xml><?xml version="1.0" encoding="utf-8"?>
+<inkml:ink xmlns:inkml="http://www.w3.org/2003/InkML">
+  <inkml:definitions>
+    <inkml:context xml:id="ctx0">
+      <inkml:inkSource xml:id="inkSrc0">
+        <inkml:traceFormat>
+          <inkml:channel name="X" type="integer" min="-2.14748E9" max="2.14748E9" units="cm"/>
+          <inkml:channel name="Y" type="integer" min="-2.14748E9" max="2.14748E9" units="cm"/>
+        </inkml:traceFormat>
+        <inkml:channelProperties>
+          <inkml:channelProperty channel="X" name="resolution" value="1000" units="1/cm"/>
+          <inkml:channelProperty channel="Y" name="resolution" value="1000" units="1/cm"/>
+        </inkml:channelProperties>
+      </inkml:inkSource>
+      <inkml:timestamp xml:id="ts0" timeString="2020-10-22T18:43:12.276"/>
+    </inkml:context>
+    <inkml:brush xml:id="br0">
+      <inkml:brushProperty name="width" value="0.35" units="cm"/>
+      <inkml:brushProperty name="height" value="0.35" units="cm"/>
+      <inkml:brushProperty name="color" value="#FFFFFF"/>
+      <inkml:brushProperty name="ignorePressure" value="1"/>
+    </inkml:brush>
+  </inkml:definitions>
+  <inkml:trace contextRef="#ctx0" brushRef="#br0">1 1,'0'0</inkml:trace>
+</inkml:ink>
+</file>
+
+<file path=ppt/ink/ink27.xml><?xml version="1.0" encoding="utf-8"?>
+<inkml:ink xmlns:inkml="http://www.w3.org/2003/InkML">
+  <inkml:definitions>
+    <inkml:context xml:id="ctx0">
+      <inkml:inkSource xml:id="inkSrc0">
+        <inkml:traceFormat>
+          <inkml:channel name="X" type="integer" min="-2.14748E9" max="2.14748E9" units="cm"/>
+          <inkml:channel name="Y" type="integer" min="-2.14748E9" max="2.14748E9" units="cm"/>
+        </inkml:traceFormat>
+        <inkml:channelProperties>
+          <inkml:channelProperty channel="X" name="resolution" value="1000" units="1/cm"/>
+          <inkml:channelProperty channel="Y" name="resolution" value="1000" units="1/cm"/>
+        </inkml:channelProperties>
+      </inkml:inkSource>
+      <inkml:timestamp xml:id="ts0" timeString="2020-10-22T18:43:15.271"/>
+    </inkml:context>
+    <inkml:brush xml:id="br0">
+      <inkml:brushProperty name="width" value="0.35" units="cm"/>
+      <inkml:brushProperty name="height" value="0.35" units="cm"/>
+      <inkml:brushProperty name="color" value="#FFFFFF"/>
+      <inkml:brushProperty name="ignorePressure" value="1"/>
+    </inkml:brush>
+  </inkml:definitions>
+  <inkml:trace contextRef="#ctx0" brushRef="#br0">1 1,'0'0</inkml:trace>
+</inkml:ink>
+</file>
+
+<file path=ppt/ink/ink28.xml><?xml version="1.0" encoding="utf-8"?>
+<inkml:ink xmlns:inkml="http://www.w3.org/2003/InkML">
+  <inkml:definitions>
+    <inkml:context xml:id="ctx0">
+      <inkml:inkSource xml:id="inkSrc0">
+        <inkml:traceFormat>
+          <inkml:channel name="X" type="integer" min="-2.14748E9" max="2.14748E9" units="cm"/>
+          <inkml:channel name="Y" type="integer" min="-2.14748E9" max="2.14748E9" units="cm"/>
+        </inkml:traceFormat>
+        <inkml:channelProperties>
+          <inkml:channelProperty channel="X" name="resolution" value="1000" units="1/cm"/>
+          <inkml:channelProperty channel="Y" name="resolution" value="1000" units="1/cm"/>
+        </inkml:channelProperties>
+      </inkml:inkSource>
+      <inkml:timestamp xml:id="ts0" timeString="2020-10-22T18:43:17.086"/>
+    </inkml:context>
+    <inkml:brush xml:id="br0">
+      <inkml:brushProperty name="width" value="0.35" units="cm"/>
+      <inkml:brushProperty name="height" value="0.35" units="cm"/>
+      <inkml:brushProperty name="color" value="#FFFFFF"/>
+      <inkml:brushProperty name="ignorePressure" value="1"/>
+    </inkml:brush>
+  </inkml:definitions>
+  <inkml:trace contextRef="#ctx0" brushRef="#br0">1 1,'0'0</inkml:trace>
+</inkml:ink>
+</file>
+
+<file path=ppt/ink/ink3.xml><?xml version="1.0" encoding="utf-8"?>
+<inkml:ink xmlns:inkml="http://www.w3.org/2003/InkML">
+  <inkml:definitions>
+    <inkml:context xml:id="ctx0">
+      <inkml:inkSource xml:id="inkSrc0">
+        <inkml:traceFormat>
+          <inkml:channel name="X" type="integer" min="-2.14748E9" max="2.14748E9" units="cm"/>
+          <inkml:channel name="Y" type="integer" min="-2.14748E9" max="2.14748E9" units="cm"/>
+        </inkml:traceFormat>
+        <inkml:channelProperties>
+          <inkml:channelProperty channel="X" name="resolution" value="1000" units="1/cm"/>
+          <inkml:channelProperty channel="Y" name="resolution" value="1000" units="1/cm"/>
+        </inkml:channelProperties>
+      </inkml:inkSource>
+      <inkml:timestamp xml:id="ts0" timeString="2020-10-22T18:33:54.210"/>
+    </inkml:context>
+    <inkml:brush xml:id="br0">
+      <inkml:brushProperty name="width" value="0.35" units="cm"/>
+      <inkml:brushProperty name="height" value="0.35" units="cm"/>
+      <inkml:brushProperty name="color" value="#FFFFFF"/>
+      <inkml:brushProperty name="ignorePressure" value="1"/>
+    </inkml:brush>
+  </inkml:definitions>
+  <inkml:trace contextRef="#ctx0" brushRef="#br0">175 28,'-4'-5,"-7"-1,-5 1,-5 0,-8 2,-3 1,-1 1,10 1,18 0,9 0</inkml:trace>
+</inkml:ink>
+</file>
+
+<file path=ppt/ink/ink4.xml><?xml version="1.0" encoding="utf-8"?>
+<inkml:ink xmlns:inkml="http://www.w3.org/2003/InkML">
+  <inkml:definitions>
+    <inkml:context xml:id="ctx0">
+      <inkml:inkSource xml:id="inkSrc0">
+        <inkml:traceFormat>
+          <inkml:channel name="X" type="integer" min="-2.14748E9" max="2.14748E9" units="cm"/>
+          <inkml:channel name="Y" type="integer" min="-2.14748E9" max="2.14748E9" units="cm"/>
+        </inkml:traceFormat>
+        <inkml:channelProperties>
+          <inkml:channelProperty channel="X" name="resolution" value="1000" units="1/cm"/>
+          <inkml:channelProperty channel="Y" name="resolution" value="1000" units="1/cm"/>
+        </inkml:channelProperties>
+      </inkml:inkSource>
+      <inkml:timestamp xml:id="ts0" timeString="2020-10-22T18:33:58.738"/>
+    </inkml:context>
+    <inkml:brush xml:id="br0">
+      <inkml:brushProperty name="width" value="0.35" units="cm"/>
+      <inkml:brushProperty name="height" value="0.35" units="cm"/>
+      <inkml:brushProperty name="color" value="#FFFFFF"/>
+      <inkml:brushProperty name="ignorePressure" value="1"/>
+    </inkml:brush>
+  </inkml:definitions>
+  <inkml:trace contextRef="#ctx0" brushRef="#br0">1 118,'0'-5,"0"-5,4-2,2-3,4-8,1-4,-2 2</inkml:trace>
+</inkml:ink>
+</file>
+
+<file path=ppt/ink/ink5.xml><?xml version="1.0" encoding="utf-8"?>
+<inkml:ink xmlns:inkml="http://www.w3.org/2003/InkML">
+  <inkml:definitions>
+    <inkml:context xml:id="ctx0">
+      <inkml:inkSource xml:id="inkSrc0">
+        <inkml:traceFormat>
+          <inkml:channel name="X" type="integer" min="-2.14748E9" max="2.14748E9" units="cm"/>
+          <inkml:channel name="Y" type="integer" min="-2.14748E9" max="2.14748E9" units="cm"/>
+        </inkml:traceFormat>
+        <inkml:channelProperties>
+          <inkml:channelProperty channel="X" name="resolution" value="1000" units="1/cm"/>
+          <inkml:channelProperty channel="Y" name="resolution" value="1000" units="1/cm"/>
+        </inkml:channelProperties>
+      </inkml:inkSource>
+      <inkml:timestamp xml:id="ts0" timeString="2020-10-22T18:34:03.260"/>
+    </inkml:context>
+    <inkml:brush xml:id="br0">
+      <inkml:brushProperty name="width" value="0.35" units="cm"/>
+      <inkml:brushProperty name="height" value="0.35" units="cm"/>
+      <inkml:brushProperty name="color" value="#FFFFFF"/>
+      <inkml:brushProperty name="ignorePressure" value="1"/>
+    </inkml:brush>
+  </inkml:definitions>
+  <inkml:trace contextRef="#ctx0" brushRef="#br0">62 184,'0'-5,"0"-5,0-6,0-5,-5 2,0-1,-6 3,1 0,1-2,-2-2,0 3</inkml:trace>
+</inkml:ink>
+</file>
+
+<file path=ppt/ink/ink6.xml><?xml version="1.0" encoding="utf-8"?>
+<inkml:ink xmlns:inkml="http://www.w3.org/2003/InkML">
+  <inkml:definitions>
+    <inkml:context xml:id="ctx0">
+      <inkml:inkSource xml:id="inkSrc0">
+        <inkml:traceFormat>
+          <inkml:channel name="X" type="integer" min="-2.14748E9" max="2.14748E9" units="cm"/>
+          <inkml:channel name="Y" type="integer" min="-2.14748E9" max="2.14748E9" units="cm"/>
+        </inkml:traceFormat>
+        <inkml:channelProperties>
+          <inkml:channelProperty channel="X" name="resolution" value="1000" units="1/cm"/>
+          <inkml:channelProperty channel="Y" name="resolution" value="1000" units="1/cm"/>
+        </inkml:channelProperties>
+      </inkml:inkSource>
+      <inkml:timestamp xml:id="ts0" timeString="2020-10-22T18:34:07.087"/>
+    </inkml:context>
+    <inkml:brush xml:id="br0">
+      <inkml:brushProperty name="width" value="0.35" units="cm"/>
+      <inkml:brushProperty name="height" value="0.35" units="cm"/>
+      <inkml:brushProperty name="color" value="#FFFFFF"/>
+      <inkml:brushProperty name="ignorePressure" value="1"/>
+    </inkml:brush>
+  </inkml:definitions>
+  <inkml:trace contextRef="#ctx0" brushRef="#br0">0 207,'0'-5,"0"-5,0-7,0-8,0-5,0-2,0 1,0 0,0 6</inkml:trace>
+</inkml:ink>
+</file>
+
+<file path=ppt/ink/ink7.xml><?xml version="1.0" encoding="utf-8"?>
+<inkml:ink xmlns:inkml="http://www.w3.org/2003/InkML">
+  <inkml:definitions>
+    <inkml:context xml:id="ctx0">
+      <inkml:inkSource xml:id="inkSrc0">
+        <inkml:traceFormat>
+          <inkml:channel name="X" type="integer" min="-2.14748E9" max="2.14748E9" units="cm"/>
+          <inkml:channel name="Y" type="integer" min="-2.14748E9" max="2.14748E9" units="cm"/>
+        </inkml:traceFormat>
+        <inkml:channelProperties>
+          <inkml:channelProperty channel="X" name="resolution" value="1000" units="1/cm"/>
+          <inkml:channelProperty channel="Y" name="resolution" value="1000" units="1/cm"/>
+        </inkml:channelProperties>
+      </inkml:inkSource>
+      <inkml:timestamp xml:id="ts0" timeString="2020-10-22T18:34:12.998"/>
+    </inkml:context>
+    <inkml:brush xml:id="br0">
+      <inkml:brushProperty name="width" value="0.35" units="cm"/>
+      <inkml:brushProperty name="height" value="0.35" units="cm"/>
+      <inkml:brushProperty name="color" value="#FFFFFF"/>
+      <inkml:brushProperty name="ignorePressure" value="1"/>
+    </inkml:brush>
+  </inkml:definitions>
+  <inkml:trace contextRef="#ctx0" brushRef="#br0">1 125,'0'-4,"0"-7,0-5,0-5,0-3,0-2,0 4</inkml:trace>
+</inkml:ink>
+</file>
+
+<file path=ppt/ink/ink8.xml><?xml version="1.0" encoding="utf-8"?>
+<inkml:ink xmlns:inkml="http://www.w3.org/2003/InkML">
+  <inkml:definitions>
+    <inkml:context xml:id="ctx0">
+      <inkml:inkSource xml:id="inkSrc0">
+        <inkml:traceFormat>
+          <inkml:channel name="X" type="integer" min="-2.14748E9" max="2.14748E9" units="cm"/>
+          <inkml:channel name="Y" type="integer" min="-2.14748E9" max="2.14748E9" units="cm"/>
+        </inkml:traceFormat>
+        <inkml:channelProperties>
+          <inkml:channelProperty channel="X" name="resolution" value="1000" units="1/cm"/>
+          <inkml:channelProperty channel="Y" name="resolution" value="1000" units="1/cm"/>
+        </inkml:channelProperties>
+      </inkml:inkSource>
+      <inkml:timestamp xml:id="ts0" timeString="2020-10-22T18:34:18.517"/>
+    </inkml:context>
+    <inkml:brush xml:id="br0">
+      <inkml:brushProperty name="width" value="0.35" units="cm"/>
+      <inkml:brushProperty name="height" value="0.35" units="cm"/>
+      <inkml:brushProperty name="color" value="#FFFFFF"/>
+      <inkml:brushProperty name="ignorePressure" value="1"/>
+    </inkml:brush>
+  </inkml:definitions>
+  <inkml:trace contextRef="#ctx0" brushRef="#br0">0 169,'0'-4,"0"-7,0-5,0-5,0-3,0-6,0-3,0 4</inkml:trace>
+</inkml:ink>
+</file>
+
+<file path=ppt/ink/ink9.xml><?xml version="1.0" encoding="utf-8"?>
+<inkml:ink xmlns:inkml="http://www.w3.org/2003/InkML">
+  <inkml:definitions>
+    <inkml:context xml:id="ctx0">
+      <inkml:inkSource xml:id="inkSrc0">
+        <inkml:traceFormat>
+          <inkml:channel name="X" type="integer" min="-2.14748E9" max="2.14748E9" units="cm"/>
+          <inkml:channel name="Y" type="integer" min="-2.14748E9" max="2.14748E9" units="cm"/>
+        </inkml:traceFormat>
+        <inkml:channelProperties>
+          <inkml:channelProperty channel="X" name="resolution" value="1000" units="1/cm"/>
+          <inkml:channelProperty channel="Y" name="resolution" value="1000" units="1/cm"/>
+        </inkml:channelProperties>
+      </inkml:inkSource>
+      <inkml:timestamp xml:id="ts0" timeString="2020-10-22T18:34:24.764"/>
+    </inkml:context>
+    <inkml:brush xml:id="br0">
+      <inkml:brushProperty name="width" value="0.35" units="cm"/>
+      <inkml:brushProperty name="height" value="0.35" units="cm"/>
+      <inkml:brushProperty name="color" value="#FFFFFF"/>
+      <inkml:brushProperty name="ignorePressure" value="1"/>
+    </inkml:brush>
+  </inkml:definitions>
+  <inkml:trace contextRef="#ctx0" brushRef="#br0">0 187,'0'-4,"0"-7,0-5,0-9,0-5,0-2,0-4,0 3</inkml:trace>
+</inkml:ink>
+</file>
+
 <file path=ppt/slideLayouts/slideLayout1.xml><?xml version="1.0" encoding="utf-8"?>
 <p:sldLayout xmlns:a="http://schemas.openxmlformats.org/drawingml/2006/main" xmlns:r="http://schemas.openxmlformats.org/officeDocument/2006/relationships" xmlns:p="http://schemas.openxmlformats.org/presentationml/2006/main" showMasterSp="0" type="title" preserve="1">
   <p:cSld name="Title Slide">
@@ -31246,13 +32002,13 @@
   <p:clrMapOvr>
     <a:masterClrMapping/>
   </p:clrMapOvr>
-  <mc:AlternateContent xmlns:mc="http://schemas.openxmlformats.org/markup-compatibility/2006">
-    <mc:Choice xmlns:p15="http://schemas.microsoft.com/office/powerpoint/2012/main" Requires="p15">
+  <mc:AlternateContent xmlns:mc="http://schemas.openxmlformats.org/markup-compatibility/2006" xmlns:p15="http://schemas.microsoft.com/office/powerpoint/2012/main">
+    <mc:Choice Requires="p15">
       <p:transition xmlns:p14="http://schemas.microsoft.com/office/powerpoint/2010/main" spd="slow" p14:dur="2000">
         <p15:prstTrans prst="drape"/>
       </p:transition>
     </mc:Choice>
-    <mc:Fallback>
+    <mc:Fallback xmlns="">
       <p:transition spd="slow">
         <p:fade/>
       </p:transition>
@@ -35436,13 +36192,13 @@
   <p:clrMapOvr>
     <a:masterClrMapping/>
   </p:clrMapOvr>
-  <mc:AlternateContent xmlns:mc="http://schemas.openxmlformats.org/markup-compatibility/2006">
-    <mc:Choice xmlns:p15="http://schemas.microsoft.com/office/powerpoint/2012/main" Requires="p15">
+  <mc:AlternateContent xmlns:mc="http://schemas.openxmlformats.org/markup-compatibility/2006" xmlns:p15="http://schemas.microsoft.com/office/powerpoint/2012/main">
+    <mc:Choice Requires="p15">
       <p:transition xmlns:p14="http://schemas.microsoft.com/office/powerpoint/2010/main" spd="slow" p14:dur="2000">
         <p15:prstTrans prst="wind"/>
       </p:transition>
     </mc:Choice>
-    <mc:Fallback>
+    <mc:Fallback xmlns="">
       <p:transition spd="slow">
         <p:fade/>
       </p:transition>
@@ -36947,13 +37703,13 @@
   <p:clrMapOvr>
     <a:masterClrMapping/>
   </p:clrMapOvr>
-  <mc:AlternateContent xmlns:mc="http://schemas.openxmlformats.org/markup-compatibility/2006">
-    <mc:Choice xmlns:p14="http://schemas.microsoft.com/office/powerpoint/2010/main" Requires="p14">
+  <mc:AlternateContent xmlns:mc="http://schemas.openxmlformats.org/markup-compatibility/2006" xmlns:p14="http://schemas.microsoft.com/office/powerpoint/2010/main">
+    <mc:Choice Requires="p14">
       <p:transition spd="slow" p14:dur="800">
         <p:circle/>
       </p:transition>
     </mc:Choice>
-    <mc:Fallback>
+    <mc:Fallback xmlns="">
       <p:transition spd="slow">
         <p:circle/>
       </p:transition>
@@ -39466,18 +40222,22 @@
               </a:lnSpc>
             </a:pPr>
             <a:r>
-              <a:rPr lang="en-US" sz="4100"/>
-              <a:t>Scatterplot for Confidence Limits</a:t>
+              <a:rPr lang="en-US" sz="4100" dirty="0" err="1"/>
+              <a:t>Lineplot</a:t>
+            </a:r>
+            <a:r>
+              <a:rPr lang="en-US" sz="4100" dirty="0"/>
+              <a:t> for Data Value and Years</a:t>
             </a:r>
           </a:p>
         </p:txBody>
       </p:sp>
       <p:pic>
         <p:nvPicPr>
-          <p:cNvPr id="4" name="Content Placeholder 3">
+          <p:cNvPr id="20" name="Content Placeholder 19">
             <a:extLst>
               <a:ext uri="{FF2B5EF4-FFF2-40B4-BE49-F238E27FC236}">
-                <a16:creationId xmlns:a16="http://schemas.microsoft.com/office/drawing/2014/main" id="{F7B4165D-CA2B-4A37-945E-065C365EDD60}"/>
+                <a16:creationId xmlns:a16="http://schemas.microsoft.com/office/drawing/2014/main" id="{D0E2823B-683D-421E-A772-9DA228D2C5B5}"/>
               </a:ext>
             </a:extLst>
           </p:cNvPr>
@@ -39488,21 +40248,859 @@
             <p:ph idx="1"/>
           </p:nvPr>
         </p:nvPicPr>
-        <p:blipFill rotWithShape="1">
+        <p:blipFill>
           <a:blip r:embed="rId2"/>
-          <a:srcRect t="9184" b="12844"/>
-          <a:stretch/>
+          <a:stretch>
+            <a:fillRect/>
+          </a:stretch>
         </p:blipFill>
         <p:spPr>
           <a:xfrm>
-            <a:off x="985968" y="609600"/>
-            <a:ext cx="8288033" cy="3635025"/>
+            <a:off x="1151116" y="391782"/>
+            <a:ext cx="8027186" cy="4383418"/>
           </a:xfrm>
           <a:prstGeom prst="rect">
             <a:avLst/>
           </a:prstGeom>
         </p:spPr>
       </p:pic>
+      <mc:AlternateContent xmlns:mc="http://schemas.openxmlformats.org/markup-compatibility/2006">
+        <mc:Choice xmlns:p14="http://schemas.microsoft.com/office/powerpoint/2010/main" Requires="p14">
+          <p:contentPart p14:bwMode="auto" r:id="rId3">
+            <p14:nvContentPartPr>
+              <p14:cNvPr id="26" name="Ink 25">
+                <a:extLst>
+                  <a:ext uri="{FF2B5EF4-FFF2-40B4-BE49-F238E27FC236}">
+                    <a16:creationId xmlns:a16="http://schemas.microsoft.com/office/drawing/2014/main" id="{6A068E94-A97A-410D-A649-6EAD8519C9F3}"/>
+                  </a:ext>
+                </a:extLst>
+              </p14:cNvPr>
+              <p14:cNvContentPartPr/>
+              <p14:nvPr/>
+            </p14:nvContentPartPr>
+            <p14:xfrm>
+              <a:off x="3303795" y="4379745"/>
+              <a:ext cx="45720" cy="125280"/>
+            </p14:xfrm>
+          </p:contentPart>
+        </mc:Choice>
+        <mc:Fallback>
+          <p:pic>
+            <p:nvPicPr>
+              <p:cNvPr id="26" name="Ink 25">
+                <a:extLst>
+                  <a:ext uri="{FF2B5EF4-FFF2-40B4-BE49-F238E27FC236}">
+                    <a16:creationId xmlns:a16="http://schemas.microsoft.com/office/drawing/2014/main" id="{6A068E94-A97A-410D-A649-6EAD8519C9F3}"/>
+                  </a:ext>
+                </a:extLst>
+              </p:cNvPr>
+              <p:cNvPicPr/>
+              <p:nvPr/>
+            </p:nvPicPr>
+            <p:blipFill>
+              <a:blip r:embed="rId4"/>
+              <a:stretch>
+                <a:fillRect/>
+              </a:stretch>
+            </p:blipFill>
+            <p:spPr>
+              <a:xfrm>
+                <a:off x="3294795" y="4371105"/>
+                <a:ext cx="63360" cy="142920"/>
+              </a:xfrm>
+              <a:prstGeom prst="rect">
+                <a:avLst/>
+              </a:prstGeom>
+            </p:spPr>
+          </p:pic>
+        </mc:Fallback>
+      </mc:AlternateContent>
+      <mc:AlternateContent xmlns:mc="http://schemas.openxmlformats.org/markup-compatibility/2006">
+        <mc:Choice xmlns:p14="http://schemas.microsoft.com/office/powerpoint/2010/main" Requires="p14">
+          <p:contentPart p14:bwMode="auto" r:id="rId5">
+            <p14:nvContentPartPr>
+              <p14:cNvPr id="27" name="Ink 26">
+                <a:extLst>
+                  <a:ext uri="{FF2B5EF4-FFF2-40B4-BE49-F238E27FC236}">
+                    <a16:creationId xmlns:a16="http://schemas.microsoft.com/office/drawing/2014/main" id="{FB6EDA89-A267-48E7-B5A1-28815590761A}"/>
+                  </a:ext>
+                </a:extLst>
+              </p14:cNvPr>
+              <p14:cNvContentPartPr/>
+              <p14:nvPr/>
+            </p14:nvContentPartPr>
+            <p14:xfrm>
+              <a:off x="3352395" y="4371105"/>
+              <a:ext cx="360" cy="112320"/>
+            </p14:xfrm>
+          </p:contentPart>
+        </mc:Choice>
+        <mc:Fallback>
+          <p:pic>
+            <p:nvPicPr>
+              <p:cNvPr id="27" name="Ink 26">
+                <a:extLst>
+                  <a:ext uri="{FF2B5EF4-FFF2-40B4-BE49-F238E27FC236}">
+                    <a16:creationId xmlns:a16="http://schemas.microsoft.com/office/drawing/2014/main" id="{FB6EDA89-A267-48E7-B5A1-28815590761A}"/>
+                  </a:ext>
+                </a:extLst>
+              </p:cNvPr>
+              <p:cNvPicPr/>
+              <p:nvPr/>
+            </p:nvPicPr>
+            <p:blipFill>
+              <a:blip r:embed="rId6"/>
+              <a:stretch>
+                <a:fillRect/>
+              </a:stretch>
+            </p:blipFill>
+            <p:spPr>
+              <a:xfrm>
+                <a:off x="3343395" y="4362105"/>
+                <a:ext cx="18000" cy="129960"/>
+              </a:xfrm>
+              <a:prstGeom prst="rect">
+                <a:avLst/>
+              </a:prstGeom>
+            </p:spPr>
+          </p:pic>
+        </mc:Fallback>
+      </mc:AlternateContent>
+      <mc:AlternateContent xmlns:mc="http://schemas.openxmlformats.org/markup-compatibility/2006">
+        <mc:Choice xmlns:p14="http://schemas.microsoft.com/office/powerpoint/2010/main" Requires="p14">
+          <p:contentPart p14:bwMode="auto" r:id="rId7">
+            <p14:nvContentPartPr>
+              <p14:cNvPr id="28" name="Ink 27">
+                <a:extLst>
+                  <a:ext uri="{FF2B5EF4-FFF2-40B4-BE49-F238E27FC236}">
+                    <a16:creationId xmlns:a16="http://schemas.microsoft.com/office/drawing/2014/main" id="{12A67665-E043-41B1-A8A9-0B7A19CEFB51}"/>
+                  </a:ext>
+                </a:extLst>
+              </p14:cNvPr>
+              <p14:cNvContentPartPr/>
+              <p14:nvPr/>
+            </p14:nvContentPartPr>
+            <p14:xfrm>
+              <a:off x="3308835" y="4409265"/>
+              <a:ext cx="63000" cy="10080"/>
+            </p14:xfrm>
+          </p:contentPart>
+        </mc:Choice>
+        <mc:Fallback>
+          <p:pic>
+            <p:nvPicPr>
+              <p:cNvPr id="28" name="Ink 27">
+                <a:extLst>
+                  <a:ext uri="{FF2B5EF4-FFF2-40B4-BE49-F238E27FC236}">
+                    <a16:creationId xmlns:a16="http://schemas.microsoft.com/office/drawing/2014/main" id="{12A67665-E043-41B1-A8A9-0B7A19CEFB51}"/>
+                  </a:ext>
+                </a:extLst>
+              </p:cNvPr>
+              <p:cNvPicPr/>
+              <p:nvPr/>
+            </p:nvPicPr>
+            <p:blipFill>
+              <a:blip r:embed="rId8"/>
+              <a:stretch>
+                <a:fillRect/>
+              </a:stretch>
+            </p:blipFill>
+            <p:spPr>
+              <a:xfrm>
+                <a:off x="3246195" y="4346625"/>
+                <a:ext cx="188640" cy="135720"/>
+              </a:xfrm>
+              <a:prstGeom prst="rect">
+                <a:avLst/>
+              </a:prstGeom>
+            </p:spPr>
+          </p:pic>
+        </mc:Fallback>
+      </mc:AlternateContent>
+      <mc:AlternateContent xmlns:mc="http://schemas.openxmlformats.org/markup-compatibility/2006">
+        <mc:Choice xmlns:p14="http://schemas.microsoft.com/office/powerpoint/2010/main" Requires="p14">
+          <p:contentPart p14:bwMode="auto" r:id="rId9">
+            <p14:nvContentPartPr>
+              <p14:cNvPr id="29" name="Ink 28">
+                <a:extLst>
+                  <a:ext uri="{FF2B5EF4-FFF2-40B4-BE49-F238E27FC236}">
+                    <a16:creationId xmlns:a16="http://schemas.microsoft.com/office/drawing/2014/main" id="{FE57A4F3-D555-40A1-A347-81E797362A7D}"/>
+                  </a:ext>
+                </a:extLst>
+              </p14:cNvPr>
+              <p14:cNvContentPartPr/>
+              <p14:nvPr/>
+            </p14:nvContentPartPr>
+            <p14:xfrm>
+              <a:off x="2437995" y="4434105"/>
+              <a:ext cx="14760" cy="42480"/>
+            </p14:xfrm>
+          </p:contentPart>
+        </mc:Choice>
+        <mc:Fallback>
+          <p:pic>
+            <p:nvPicPr>
+              <p:cNvPr id="29" name="Ink 28">
+                <a:extLst>
+                  <a:ext uri="{FF2B5EF4-FFF2-40B4-BE49-F238E27FC236}">
+                    <a16:creationId xmlns:a16="http://schemas.microsoft.com/office/drawing/2014/main" id="{FE57A4F3-D555-40A1-A347-81E797362A7D}"/>
+                  </a:ext>
+                </a:extLst>
+              </p:cNvPr>
+              <p:cNvPicPr/>
+              <p:nvPr/>
+            </p:nvPicPr>
+            <p:blipFill>
+              <a:blip r:embed="rId10"/>
+              <a:stretch>
+                <a:fillRect/>
+              </a:stretch>
+            </p:blipFill>
+            <p:spPr>
+              <a:xfrm>
+                <a:off x="2375355" y="4371465"/>
+                <a:ext cx="140400" cy="168120"/>
+              </a:xfrm>
+              <a:prstGeom prst="rect">
+                <a:avLst/>
+              </a:prstGeom>
+            </p:spPr>
+          </p:pic>
+        </mc:Fallback>
+      </mc:AlternateContent>
+      <mc:AlternateContent xmlns:mc="http://schemas.openxmlformats.org/markup-compatibility/2006">
+        <mc:Choice xmlns:p14="http://schemas.microsoft.com/office/powerpoint/2010/main" Requires="p14">
+          <p:contentPart p14:bwMode="auto" r:id="rId11">
+            <p14:nvContentPartPr>
+              <p14:cNvPr id="30" name="Ink 29">
+                <a:extLst>
+                  <a:ext uri="{FF2B5EF4-FFF2-40B4-BE49-F238E27FC236}">
+                    <a16:creationId xmlns:a16="http://schemas.microsoft.com/office/drawing/2014/main" id="{992D8D2A-37D0-4DBD-88DD-58473E8AD5F9}"/>
+                  </a:ext>
+                </a:extLst>
+              </p14:cNvPr>
+              <p14:cNvContentPartPr/>
+              <p14:nvPr/>
+            </p14:nvContentPartPr>
+            <p14:xfrm>
+              <a:off x="4206675" y="4438785"/>
+              <a:ext cx="22320" cy="66240"/>
+            </p14:xfrm>
+          </p:contentPart>
+        </mc:Choice>
+        <mc:Fallback>
+          <p:pic>
+            <p:nvPicPr>
+              <p:cNvPr id="30" name="Ink 29">
+                <a:extLst>
+                  <a:ext uri="{FF2B5EF4-FFF2-40B4-BE49-F238E27FC236}">
+                    <a16:creationId xmlns:a16="http://schemas.microsoft.com/office/drawing/2014/main" id="{992D8D2A-37D0-4DBD-88DD-58473E8AD5F9}"/>
+                  </a:ext>
+                </a:extLst>
+              </p:cNvPr>
+              <p:cNvPicPr/>
+              <p:nvPr/>
+            </p:nvPicPr>
+            <p:blipFill>
+              <a:blip r:embed="rId12"/>
+              <a:stretch>
+                <a:fillRect/>
+              </a:stretch>
+            </p:blipFill>
+            <p:spPr>
+              <a:xfrm>
+                <a:off x="4143675" y="4376145"/>
+                <a:ext cx="147960" cy="191880"/>
+              </a:xfrm>
+              <a:prstGeom prst="rect">
+                <a:avLst/>
+              </a:prstGeom>
+            </p:spPr>
+          </p:pic>
+        </mc:Fallback>
+      </mc:AlternateContent>
+      <mc:AlternateContent xmlns:mc="http://schemas.openxmlformats.org/markup-compatibility/2006">
+        <mc:Choice xmlns:p14="http://schemas.microsoft.com/office/powerpoint/2010/main" Requires="p14">
+          <p:contentPart p14:bwMode="auto" r:id="rId13">
+            <p14:nvContentPartPr>
+              <p14:cNvPr id="31" name="Ink 30">
+                <a:extLst>
+                  <a:ext uri="{FF2B5EF4-FFF2-40B4-BE49-F238E27FC236}">
+                    <a16:creationId xmlns:a16="http://schemas.microsoft.com/office/drawing/2014/main" id="{F301E294-BCB1-459B-8DF8-1CCD159E68E2}"/>
+                  </a:ext>
+                </a:extLst>
+              </p14:cNvPr>
+              <p14:cNvContentPartPr/>
+              <p14:nvPr/>
+            </p14:nvContentPartPr>
+            <p14:xfrm>
+              <a:off x="5095515" y="4440225"/>
+              <a:ext cx="360" cy="74520"/>
+            </p14:xfrm>
+          </p:contentPart>
+        </mc:Choice>
+        <mc:Fallback>
+          <p:pic>
+            <p:nvPicPr>
+              <p:cNvPr id="31" name="Ink 30">
+                <a:extLst>
+                  <a:ext uri="{FF2B5EF4-FFF2-40B4-BE49-F238E27FC236}">
+                    <a16:creationId xmlns:a16="http://schemas.microsoft.com/office/drawing/2014/main" id="{F301E294-BCB1-459B-8DF8-1CCD159E68E2}"/>
+                  </a:ext>
+                </a:extLst>
+              </p:cNvPr>
+              <p:cNvPicPr/>
+              <p:nvPr/>
+            </p:nvPicPr>
+            <p:blipFill>
+              <a:blip r:embed="rId14"/>
+              <a:stretch>
+                <a:fillRect/>
+              </a:stretch>
+            </p:blipFill>
+            <p:spPr>
+              <a:xfrm>
+                <a:off x="5032515" y="4377585"/>
+                <a:ext cx="126000" cy="200160"/>
+              </a:xfrm>
+              <a:prstGeom prst="rect">
+                <a:avLst/>
+              </a:prstGeom>
+            </p:spPr>
+          </p:pic>
+        </mc:Fallback>
+      </mc:AlternateContent>
+      <mc:AlternateContent xmlns:mc="http://schemas.openxmlformats.org/markup-compatibility/2006">
+        <mc:Choice xmlns:p14="http://schemas.microsoft.com/office/powerpoint/2010/main" Requires="p14">
+          <p:contentPart p14:bwMode="auto" r:id="rId15">
+            <p14:nvContentPartPr>
+              <p14:cNvPr id="32" name="Ink 31">
+                <a:extLst>
+                  <a:ext uri="{FF2B5EF4-FFF2-40B4-BE49-F238E27FC236}">
+                    <a16:creationId xmlns:a16="http://schemas.microsoft.com/office/drawing/2014/main" id="{4E9E5154-3F4B-479B-B639-0695391C78AA}"/>
+                  </a:ext>
+                </a:extLst>
+              </p14:cNvPr>
+              <p14:cNvContentPartPr/>
+              <p14:nvPr/>
+            </p14:nvContentPartPr>
+            <p14:xfrm>
+              <a:off x="5981475" y="4440945"/>
+              <a:ext cx="360" cy="45360"/>
+            </p14:xfrm>
+          </p:contentPart>
+        </mc:Choice>
+        <mc:Fallback>
+          <p:pic>
+            <p:nvPicPr>
+              <p:cNvPr id="32" name="Ink 31">
+                <a:extLst>
+                  <a:ext uri="{FF2B5EF4-FFF2-40B4-BE49-F238E27FC236}">
+                    <a16:creationId xmlns:a16="http://schemas.microsoft.com/office/drawing/2014/main" id="{4E9E5154-3F4B-479B-B639-0695391C78AA}"/>
+                  </a:ext>
+                </a:extLst>
+              </p:cNvPr>
+              <p:cNvPicPr/>
+              <p:nvPr/>
+            </p:nvPicPr>
+            <p:blipFill>
+              <a:blip r:embed="rId16"/>
+              <a:stretch>
+                <a:fillRect/>
+              </a:stretch>
+            </p:blipFill>
+            <p:spPr>
+              <a:xfrm>
+                <a:off x="5918835" y="4378305"/>
+                <a:ext cx="126000" cy="171000"/>
+              </a:xfrm>
+              <a:prstGeom prst="rect">
+                <a:avLst/>
+              </a:prstGeom>
+            </p:spPr>
+          </p:pic>
+        </mc:Fallback>
+      </mc:AlternateContent>
+      <mc:AlternateContent xmlns:mc="http://schemas.openxmlformats.org/markup-compatibility/2006">
+        <mc:Choice xmlns:p14="http://schemas.microsoft.com/office/powerpoint/2010/main" Requires="p14">
+          <p:contentPart p14:bwMode="auto" r:id="rId17">
+            <p14:nvContentPartPr>
+              <p14:cNvPr id="33" name="Ink 32">
+                <a:extLst>
+                  <a:ext uri="{FF2B5EF4-FFF2-40B4-BE49-F238E27FC236}">
+                    <a16:creationId xmlns:a16="http://schemas.microsoft.com/office/drawing/2014/main" id="{2E31F11D-D2B6-4DD5-AE1D-121F2065EAAA}"/>
+                  </a:ext>
+                </a:extLst>
+              </p14:cNvPr>
+              <p14:cNvContentPartPr/>
+              <p14:nvPr/>
+            </p14:nvContentPartPr>
+            <p14:xfrm>
+              <a:off x="6848355" y="4425105"/>
+              <a:ext cx="360" cy="61200"/>
+            </p14:xfrm>
+          </p:contentPart>
+        </mc:Choice>
+        <mc:Fallback>
+          <p:pic>
+            <p:nvPicPr>
+              <p:cNvPr id="33" name="Ink 32">
+                <a:extLst>
+                  <a:ext uri="{FF2B5EF4-FFF2-40B4-BE49-F238E27FC236}">
+                    <a16:creationId xmlns:a16="http://schemas.microsoft.com/office/drawing/2014/main" id="{2E31F11D-D2B6-4DD5-AE1D-121F2065EAAA}"/>
+                  </a:ext>
+                </a:extLst>
+              </p:cNvPr>
+              <p:cNvPicPr/>
+              <p:nvPr/>
+            </p:nvPicPr>
+            <p:blipFill>
+              <a:blip r:embed="rId18"/>
+              <a:stretch>
+                <a:fillRect/>
+              </a:stretch>
+            </p:blipFill>
+            <p:spPr>
+              <a:xfrm>
+                <a:off x="6785355" y="4362465"/>
+                <a:ext cx="126000" cy="186840"/>
+              </a:xfrm>
+              <a:prstGeom prst="rect">
+                <a:avLst/>
+              </a:prstGeom>
+            </p:spPr>
+          </p:pic>
+        </mc:Fallback>
+      </mc:AlternateContent>
+      <mc:AlternateContent xmlns:mc="http://schemas.openxmlformats.org/markup-compatibility/2006">
+        <mc:Choice xmlns:p14="http://schemas.microsoft.com/office/powerpoint/2010/main" Requires="p14">
+          <p:contentPart p14:bwMode="auto" r:id="rId19">
+            <p14:nvContentPartPr>
+              <p14:cNvPr id="34" name="Ink 33">
+                <a:extLst>
+                  <a:ext uri="{FF2B5EF4-FFF2-40B4-BE49-F238E27FC236}">
+                    <a16:creationId xmlns:a16="http://schemas.microsoft.com/office/drawing/2014/main" id="{7DC07CE0-2FB0-4023-8932-F030DFA62BC2}"/>
+                  </a:ext>
+                </a:extLst>
+              </p14:cNvPr>
+              <p14:cNvContentPartPr/>
+              <p14:nvPr/>
+            </p14:nvContentPartPr>
+            <p14:xfrm>
+              <a:off x="7753395" y="4418625"/>
+              <a:ext cx="360" cy="67680"/>
+            </p14:xfrm>
+          </p:contentPart>
+        </mc:Choice>
+        <mc:Fallback>
+          <p:pic>
+            <p:nvPicPr>
+              <p:cNvPr id="34" name="Ink 33">
+                <a:extLst>
+                  <a:ext uri="{FF2B5EF4-FFF2-40B4-BE49-F238E27FC236}">
+                    <a16:creationId xmlns:a16="http://schemas.microsoft.com/office/drawing/2014/main" id="{7DC07CE0-2FB0-4023-8932-F030DFA62BC2}"/>
+                  </a:ext>
+                </a:extLst>
+              </p:cNvPr>
+              <p:cNvPicPr/>
+              <p:nvPr/>
+            </p:nvPicPr>
+            <p:blipFill>
+              <a:blip r:embed="rId20"/>
+              <a:stretch>
+                <a:fillRect/>
+              </a:stretch>
+            </p:blipFill>
+            <p:spPr>
+              <a:xfrm>
+                <a:off x="7690395" y="4355625"/>
+                <a:ext cx="126000" cy="193320"/>
+              </a:xfrm>
+              <a:prstGeom prst="rect">
+                <a:avLst/>
+              </a:prstGeom>
+            </p:spPr>
+          </p:pic>
+        </mc:Fallback>
+      </mc:AlternateContent>
+      <mc:AlternateContent xmlns:mc="http://schemas.openxmlformats.org/markup-compatibility/2006">
+        <mc:Choice xmlns:p14="http://schemas.microsoft.com/office/powerpoint/2010/main" Requires="p14">
+          <p:contentPart p14:bwMode="auto" r:id="rId21">
+            <p14:nvContentPartPr>
+              <p14:cNvPr id="35" name="Ink 34">
+                <a:extLst>
+                  <a:ext uri="{FF2B5EF4-FFF2-40B4-BE49-F238E27FC236}">
+                    <a16:creationId xmlns:a16="http://schemas.microsoft.com/office/drawing/2014/main" id="{58C3885C-61B1-4E78-AF92-0644FED6CE0D}"/>
+                  </a:ext>
+                </a:extLst>
+              </p14:cNvPr>
+              <p14:cNvContentPartPr/>
+              <p14:nvPr/>
+            </p14:nvContentPartPr>
+            <p14:xfrm>
+              <a:off x="8600115" y="4420785"/>
+              <a:ext cx="29520" cy="113040"/>
+            </p14:xfrm>
+          </p:contentPart>
+        </mc:Choice>
+        <mc:Fallback>
+          <p:pic>
+            <p:nvPicPr>
+              <p:cNvPr id="35" name="Ink 34">
+                <a:extLst>
+                  <a:ext uri="{FF2B5EF4-FFF2-40B4-BE49-F238E27FC236}">
+                    <a16:creationId xmlns:a16="http://schemas.microsoft.com/office/drawing/2014/main" id="{58C3885C-61B1-4E78-AF92-0644FED6CE0D}"/>
+                  </a:ext>
+                </a:extLst>
+              </p:cNvPr>
+              <p:cNvPicPr/>
+              <p:nvPr/>
+            </p:nvPicPr>
+            <p:blipFill>
+              <a:blip r:embed="rId22"/>
+              <a:stretch>
+                <a:fillRect/>
+              </a:stretch>
+            </p:blipFill>
+            <p:spPr>
+              <a:xfrm>
+                <a:off x="8537115" y="4357785"/>
+                <a:ext cx="155160" cy="238680"/>
+              </a:xfrm>
+              <a:prstGeom prst="rect">
+                <a:avLst/>
+              </a:prstGeom>
+            </p:spPr>
+          </p:pic>
+        </mc:Fallback>
+      </mc:AlternateContent>
+      <mc:AlternateContent xmlns:mc="http://schemas.openxmlformats.org/markup-compatibility/2006">
+        <mc:Choice xmlns:p14="http://schemas.microsoft.com/office/powerpoint/2010/main" Requires="p14">
+          <p:contentPart p14:bwMode="auto" r:id="rId23">
+            <p14:nvContentPartPr>
+              <p14:cNvPr id="45" name="Ink 44">
+                <a:extLst>
+                  <a:ext uri="{FF2B5EF4-FFF2-40B4-BE49-F238E27FC236}">
+                    <a16:creationId xmlns:a16="http://schemas.microsoft.com/office/drawing/2014/main" id="{A2627D62-E924-4779-A802-E1F71FE620F6}"/>
+                  </a:ext>
+                </a:extLst>
+              </p14:cNvPr>
+              <p14:cNvContentPartPr/>
+              <p14:nvPr/>
+            </p14:nvContentPartPr>
+            <p14:xfrm>
+              <a:off x="1581195" y="2354385"/>
+              <a:ext cx="19440" cy="74520"/>
+            </p14:xfrm>
+          </p:contentPart>
+        </mc:Choice>
+        <mc:Fallback>
+          <p:pic>
+            <p:nvPicPr>
+              <p:cNvPr id="45" name="Ink 44">
+                <a:extLst>
+                  <a:ext uri="{FF2B5EF4-FFF2-40B4-BE49-F238E27FC236}">
+                    <a16:creationId xmlns:a16="http://schemas.microsoft.com/office/drawing/2014/main" id="{A2627D62-E924-4779-A802-E1F71FE620F6}"/>
+                  </a:ext>
+                </a:extLst>
+              </p:cNvPr>
+              <p:cNvPicPr/>
+              <p:nvPr/>
+            </p:nvPicPr>
+            <p:blipFill>
+              <a:blip r:embed="rId24"/>
+              <a:stretch>
+                <a:fillRect/>
+              </a:stretch>
+            </p:blipFill>
+            <p:spPr>
+              <a:xfrm>
+                <a:off x="1563195" y="2336385"/>
+                <a:ext cx="55080" cy="110160"/>
+              </a:xfrm>
+              <a:prstGeom prst="rect">
+                <a:avLst/>
+              </a:prstGeom>
+            </p:spPr>
+          </p:pic>
+        </mc:Fallback>
+      </mc:AlternateContent>
+      <p:grpSp>
+        <p:nvGrpSpPr>
+          <p:cNvPr id="48" name="Group 47">
+            <a:extLst>
+              <a:ext uri="{FF2B5EF4-FFF2-40B4-BE49-F238E27FC236}">
+                <a16:creationId xmlns:a16="http://schemas.microsoft.com/office/drawing/2014/main" id="{55E21DC6-FFF3-44F2-9E0B-81247A2E327B}"/>
+              </a:ext>
+            </a:extLst>
+          </p:cNvPr>
+          <p:cNvGrpSpPr/>
+          <p:nvPr/>
+        </p:nvGrpSpPr>
+        <p:grpSpPr>
+          <a:xfrm>
+            <a:off x="1561755" y="2390385"/>
+            <a:ext cx="30960" cy="69840"/>
+            <a:chOff x="1561755" y="2390385"/>
+            <a:chExt cx="30960" cy="69840"/>
+          </a:xfrm>
+        </p:grpSpPr>
+        <mc:AlternateContent xmlns:mc="http://schemas.openxmlformats.org/markup-compatibility/2006">
+          <mc:Choice xmlns:p14="http://schemas.microsoft.com/office/powerpoint/2010/main" Requires="p14">
+            <p:contentPart p14:bwMode="auto" r:id="rId25">
+              <p14:nvContentPartPr>
+                <p14:cNvPr id="38" name="Ink 37">
+                  <a:extLst>
+                    <a:ext uri="{FF2B5EF4-FFF2-40B4-BE49-F238E27FC236}">
+                      <a16:creationId xmlns:a16="http://schemas.microsoft.com/office/drawing/2014/main" id="{C8BCAD73-59EC-4F49-9BFC-7BDE1A491FBE}"/>
+                    </a:ext>
+                  </a:extLst>
+                </p14:cNvPr>
+                <p14:cNvContentPartPr/>
+                <p14:nvPr/>
+              </p14:nvContentPartPr>
+              <p14:xfrm>
+                <a:off x="1561755" y="2409465"/>
+                <a:ext cx="360" cy="360"/>
+              </p14:xfrm>
+            </p:contentPart>
+          </mc:Choice>
+          <mc:Fallback>
+            <p:pic>
+              <p:nvPicPr>
+                <p:cNvPr id="38" name="Ink 37">
+                  <a:extLst>
+                    <a:ext uri="{FF2B5EF4-FFF2-40B4-BE49-F238E27FC236}">
+                      <a16:creationId xmlns:a16="http://schemas.microsoft.com/office/drawing/2014/main" id="{C8BCAD73-59EC-4F49-9BFC-7BDE1A491FBE}"/>
+                    </a:ext>
+                  </a:extLst>
+                </p:cNvPr>
+                <p:cNvPicPr/>
+                <p:nvPr/>
+              </p:nvPicPr>
+              <p:blipFill>
+                <a:blip r:embed="rId26"/>
+                <a:stretch>
+                  <a:fillRect/>
+                </a:stretch>
+              </p:blipFill>
+              <p:spPr>
+                <a:xfrm>
+                  <a:off x="1543755" y="2391825"/>
+                  <a:ext cx="36000" cy="36000"/>
+                </a:xfrm>
+                <a:prstGeom prst="rect">
+                  <a:avLst/>
+                </a:prstGeom>
+              </p:spPr>
+            </p:pic>
+          </mc:Fallback>
+        </mc:AlternateContent>
+        <mc:AlternateContent xmlns:mc="http://schemas.openxmlformats.org/markup-compatibility/2006">
+          <mc:Choice xmlns:p14="http://schemas.microsoft.com/office/powerpoint/2010/main" Requires="p14">
+            <p:contentPart p14:bwMode="auto" r:id="rId27">
+              <p14:nvContentPartPr>
+                <p14:cNvPr id="39" name="Ink 38">
+                  <a:extLst>
+                    <a:ext uri="{FF2B5EF4-FFF2-40B4-BE49-F238E27FC236}">
+                      <a16:creationId xmlns:a16="http://schemas.microsoft.com/office/drawing/2014/main" id="{BD698245-9DF2-4C2A-A032-02FDA2979A55}"/>
+                    </a:ext>
+                  </a:extLst>
+                </p14:cNvPr>
+                <p14:cNvContentPartPr/>
+                <p14:nvPr/>
+              </p14:nvContentPartPr>
+              <p14:xfrm>
+                <a:off x="1561755" y="2409465"/>
+                <a:ext cx="360" cy="360"/>
+              </p14:xfrm>
+            </p:contentPart>
+          </mc:Choice>
+          <mc:Fallback>
+            <p:pic>
+              <p:nvPicPr>
+                <p:cNvPr id="39" name="Ink 38">
+                  <a:extLst>
+                    <a:ext uri="{FF2B5EF4-FFF2-40B4-BE49-F238E27FC236}">
+                      <a16:creationId xmlns:a16="http://schemas.microsoft.com/office/drawing/2014/main" id="{BD698245-9DF2-4C2A-A032-02FDA2979A55}"/>
+                    </a:ext>
+                  </a:extLst>
+                </p:cNvPr>
+                <p:cNvPicPr/>
+                <p:nvPr/>
+              </p:nvPicPr>
+              <p:blipFill>
+                <a:blip r:embed="rId26"/>
+                <a:stretch>
+                  <a:fillRect/>
+                </a:stretch>
+              </p:blipFill>
+              <p:spPr>
+                <a:xfrm>
+                  <a:off x="1543755" y="2391825"/>
+                  <a:ext cx="36000" cy="36000"/>
+                </a:xfrm>
+                <a:prstGeom prst="rect">
+                  <a:avLst/>
+                </a:prstGeom>
+              </p:spPr>
+            </p:pic>
+          </mc:Fallback>
+        </mc:AlternateContent>
+        <mc:AlternateContent xmlns:mc="http://schemas.openxmlformats.org/markup-compatibility/2006">
+          <mc:Choice xmlns:p14="http://schemas.microsoft.com/office/powerpoint/2010/main" Requires="p14">
+            <p:contentPart p14:bwMode="auto" r:id="rId28">
+              <p14:nvContentPartPr>
+                <p14:cNvPr id="41" name="Ink 40">
+                  <a:extLst>
+                    <a:ext uri="{FF2B5EF4-FFF2-40B4-BE49-F238E27FC236}">
+                      <a16:creationId xmlns:a16="http://schemas.microsoft.com/office/drawing/2014/main" id="{269DBFE1-1DAB-4CEF-ACE1-6C4C5F9C40D3}"/>
+                    </a:ext>
+                  </a:extLst>
+                </p14:cNvPr>
+                <p14:cNvContentPartPr/>
+                <p14:nvPr/>
+              </p14:nvContentPartPr>
+              <p14:xfrm>
+                <a:off x="1571475" y="2409465"/>
+                <a:ext cx="360" cy="360"/>
+              </p14:xfrm>
+            </p:contentPart>
+          </mc:Choice>
+          <mc:Fallback>
+            <p:pic>
+              <p:nvPicPr>
+                <p:cNvPr id="41" name="Ink 40">
+                  <a:extLst>
+                    <a:ext uri="{FF2B5EF4-FFF2-40B4-BE49-F238E27FC236}">
+                      <a16:creationId xmlns:a16="http://schemas.microsoft.com/office/drawing/2014/main" id="{269DBFE1-1DAB-4CEF-ACE1-6C4C5F9C40D3}"/>
+                    </a:ext>
+                  </a:extLst>
+                </p:cNvPr>
+                <p:cNvPicPr/>
+                <p:nvPr/>
+              </p:nvPicPr>
+              <p:blipFill>
+                <a:blip r:embed="rId26"/>
+                <a:stretch>
+                  <a:fillRect/>
+                </a:stretch>
+              </p:blipFill>
+              <p:spPr>
+                <a:xfrm>
+                  <a:off x="1553475" y="2391825"/>
+                  <a:ext cx="36000" cy="36000"/>
+                </a:xfrm>
+                <a:prstGeom prst="rect">
+                  <a:avLst/>
+                </a:prstGeom>
+              </p:spPr>
+            </p:pic>
+          </mc:Fallback>
+        </mc:AlternateContent>
+        <mc:AlternateContent xmlns:mc="http://schemas.openxmlformats.org/markup-compatibility/2006">
+          <mc:Choice xmlns:p14="http://schemas.microsoft.com/office/powerpoint/2010/main" Requires="p14">
+            <p:contentPart p14:bwMode="auto" r:id="rId29">
+              <p14:nvContentPartPr>
+                <p14:cNvPr id="43" name="Ink 42">
+                  <a:extLst>
+                    <a:ext uri="{FF2B5EF4-FFF2-40B4-BE49-F238E27FC236}">
+                      <a16:creationId xmlns:a16="http://schemas.microsoft.com/office/drawing/2014/main" id="{7404F88A-21ED-4E5F-8DA4-9B02D68E4CEB}"/>
+                    </a:ext>
+                  </a:extLst>
+                </p14:cNvPr>
+                <p14:cNvContentPartPr/>
+                <p14:nvPr/>
+              </p14:nvContentPartPr>
+              <p14:xfrm>
+                <a:off x="1590195" y="2390385"/>
+                <a:ext cx="360" cy="360"/>
+              </p14:xfrm>
+            </p:contentPart>
+          </mc:Choice>
+          <mc:Fallback>
+            <p:pic>
+              <p:nvPicPr>
+                <p:cNvPr id="43" name="Ink 42">
+                  <a:extLst>
+                    <a:ext uri="{FF2B5EF4-FFF2-40B4-BE49-F238E27FC236}">
+                      <a16:creationId xmlns:a16="http://schemas.microsoft.com/office/drawing/2014/main" id="{7404F88A-21ED-4E5F-8DA4-9B02D68E4CEB}"/>
+                    </a:ext>
+                  </a:extLst>
+                </p:cNvPr>
+                <p:cNvPicPr/>
+                <p:nvPr/>
+              </p:nvPicPr>
+              <p:blipFill>
+                <a:blip r:embed="rId30"/>
+                <a:stretch>
+                  <a:fillRect/>
+                </a:stretch>
+              </p:blipFill>
+              <p:spPr>
+                <a:xfrm>
+                  <a:off x="1572555" y="2372385"/>
+                  <a:ext cx="36000" cy="36000"/>
+                </a:xfrm>
+                <a:prstGeom prst="rect">
+                  <a:avLst/>
+                </a:prstGeom>
+              </p:spPr>
+            </p:pic>
+          </mc:Fallback>
+        </mc:AlternateContent>
+        <mc:AlternateContent xmlns:mc="http://schemas.openxmlformats.org/markup-compatibility/2006">
+          <mc:Choice xmlns:p14="http://schemas.microsoft.com/office/powerpoint/2010/main" Requires="p14">
+            <p:contentPart p14:bwMode="auto" r:id="rId31">
+              <p14:nvContentPartPr>
+                <p14:cNvPr id="47" name="Ink 46">
+                  <a:extLst>
+                    <a:ext uri="{FF2B5EF4-FFF2-40B4-BE49-F238E27FC236}">
+                      <a16:creationId xmlns:a16="http://schemas.microsoft.com/office/drawing/2014/main" id="{ABDFCC87-9513-48D6-8221-AAA6FE6DC683}"/>
+                    </a:ext>
+                  </a:extLst>
+                </p14:cNvPr>
+                <p14:cNvContentPartPr/>
+                <p14:nvPr/>
+              </p14:nvContentPartPr>
+              <p14:xfrm>
+                <a:off x="1581195" y="2418825"/>
+                <a:ext cx="11520" cy="41400"/>
+              </p14:xfrm>
+            </p:contentPart>
+          </mc:Choice>
+          <mc:Fallback>
+            <p:pic>
+              <p:nvPicPr>
+                <p:cNvPr id="47" name="Ink 46">
+                  <a:extLst>
+                    <a:ext uri="{FF2B5EF4-FFF2-40B4-BE49-F238E27FC236}">
+                      <a16:creationId xmlns:a16="http://schemas.microsoft.com/office/drawing/2014/main" id="{ABDFCC87-9513-48D6-8221-AAA6FE6DC683}"/>
+                    </a:ext>
+                  </a:extLst>
+                </p:cNvPr>
+                <p:cNvPicPr/>
+                <p:nvPr/>
+              </p:nvPicPr>
+              <p:blipFill>
+                <a:blip r:embed="rId32"/>
+                <a:stretch>
+                  <a:fillRect/>
+                </a:stretch>
+              </p:blipFill>
+              <p:spPr>
+                <a:xfrm>
+                  <a:off x="1563195" y="2400825"/>
+                  <a:ext cx="47160" cy="77040"/>
+                </a:xfrm>
+                <a:prstGeom prst="rect">
+                  <a:avLst/>
+                </a:prstGeom>
+              </p:spPr>
+            </p:pic>
+          </mc:Fallback>
+        </mc:AlternateContent>
+      </p:grpSp>
     </p:spTree>
     <p:extLst>
       <p:ext uri="{BB962C8B-B14F-4D97-AF65-F5344CB8AC3E}">
@@ -39555,10 +41153,10 @@
       </p:grpSpPr>
       <p:grpSp>
         <p:nvGrpSpPr>
-          <p:cNvPr id="9" name="Group 8">
+          <p:cNvPr id="36" name="Group 23">
             <a:extLst>
               <a:ext uri="{FF2B5EF4-FFF2-40B4-BE49-F238E27FC236}">
-                <a16:creationId xmlns:a16="http://schemas.microsoft.com/office/drawing/2014/main" id="{88C9B83F-64CD-41C1-925F-A08801FFD0BD}"/>
+                <a16:creationId xmlns:a16="http://schemas.microsoft.com/office/drawing/2014/main" id="{B4DE830A-B531-4A3B-96F6-0ECE88B08555}"/>
               </a:ext>
               <a:ext uri="{C183D7F6-B498-43B3-948B-1728B52AA6E4}">
                 <adec:decorative xmlns:adec="http://schemas.microsoft.com/office/drawing/2017/decorative" val="1"/>
@@ -39586,10 +41184,10 @@
         </p:grpSpPr>
         <p:cxnSp>
           <p:nvCxnSpPr>
-            <p:cNvPr id="10" name="Straight Connector 9">
+            <p:cNvPr id="25" name="Straight Connector 24">
               <a:extLst>
                 <a:ext uri="{FF2B5EF4-FFF2-40B4-BE49-F238E27FC236}">
-                  <a16:creationId xmlns:a16="http://schemas.microsoft.com/office/drawing/2014/main" id="{E1655065-0BD7-4422-BEC0-4401E998090A}"/>
+                  <a16:creationId xmlns:a16="http://schemas.microsoft.com/office/drawing/2014/main" id="{2813DF2C-461A-4A8F-9679-A172790D1F3A}"/>
                 </a:ext>
                 <a:ext uri="{C183D7F6-B498-43B3-948B-1728B52AA6E4}">
                   <adec:decorative xmlns:adec="http://schemas.microsoft.com/office/drawing/2017/decorative" val="1"/>
@@ -39638,10 +41236,10 @@
         </p:cxnSp>
         <p:cxnSp>
           <p:nvCxnSpPr>
-            <p:cNvPr id="11" name="Straight Connector 10">
+            <p:cNvPr id="26" name="Straight Connector 25">
               <a:extLst>
                 <a:ext uri="{FF2B5EF4-FFF2-40B4-BE49-F238E27FC236}">
-                  <a16:creationId xmlns:a16="http://schemas.microsoft.com/office/drawing/2014/main" id="{4DDD90AC-ABEC-4A76-9C9C-AD0A5F8FC7F2}"/>
+                  <a16:creationId xmlns:a16="http://schemas.microsoft.com/office/drawing/2014/main" id="{54CD3A85-C039-4249-86E4-1EB9318B5495}"/>
                 </a:ext>
                 <a:ext uri="{C183D7F6-B498-43B3-948B-1728B52AA6E4}">
                   <adec:decorative xmlns:adec="http://schemas.microsoft.com/office/drawing/2017/decorative" val="1"/>
@@ -39690,10 +41288,10 @@
         </p:cxnSp>
         <p:sp>
           <p:nvSpPr>
-            <p:cNvPr id="12" name="Rectangle 23">
+            <p:cNvPr id="27" name="Rectangle 23">
               <a:extLst>
                 <a:ext uri="{FF2B5EF4-FFF2-40B4-BE49-F238E27FC236}">
-                  <a16:creationId xmlns:a16="http://schemas.microsoft.com/office/drawing/2014/main" id="{21A8AFEF-EC50-4C0B-9C64-814B76C82090}"/>
+                  <a16:creationId xmlns:a16="http://schemas.microsoft.com/office/drawing/2014/main" id="{887EA6D2-2883-42C2-993D-094CA6D65DA3}"/>
                 </a:ext>
                 <a:ext uri="{C183D7F6-B498-43B3-948B-1728B52AA6E4}">
                   <adec:decorative xmlns:adec="http://schemas.microsoft.com/office/drawing/2017/decorative" val="1"/>
@@ -39768,10 +41366,10 @@
         </p:sp>
         <p:sp>
           <p:nvSpPr>
-            <p:cNvPr id="13" name="Rectangle 25">
+            <p:cNvPr id="28" name="Rectangle 25">
               <a:extLst>
                 <a:ext uri="{FF2B5EF4-FFF2-40B4-BE49-F238E27FC236}">
-                  <a16:creationId xmlns:a16="http://schemas.microsoft.com/office/drawing/2014/main" id="{CAFAA800-E117-4357-84E4-56B63EA03E37}"/>
+                  <a16:creationId xmlns:a16="http://schemas.microsoft.com/office/drawing/2014/main" id="{3B895046-636F-4D1B-ACA4-29AA0CB3329F}"/>
                 </a:ext>
                 <a:ext uri="{C183D7F6-B498-43B3-948B-1728B52AA6E4}">
                   <adec:decorative xmlns:adec="http://schemas.microsoft.com/office/drawing/2017/decorative" val="1"/>
@@ -39846,10 +41444,10 @@
         </p:sp>
         <p:sp>
           <p:nvSpPr>
-            <p:cNvPr id="14" name="Isosceles Triangle 13">
+            <p:cNvPr id="29" name="Isosceles Triangle 28">
               <a:extLst>
                 <a:ext uri="{FF2B5EF4-FFF2-40B4-BE49-F238E27FC236}">
-                  <a16:creationId xmlns:a16="http://schemas.microsoft.com/office/drawing/2014/main" id="{8DDFC9F4-3B45-402D-8AD7-60B3F08ED755}"/>
+                  <a16:creationId xmlns:a16="http://schemas.microsoft.com/office/drawing/2014/main" id="{C6B0CDE3-E054-4EDD-A43B-F96843D8BF51}"/>
                 </a:ext>
                 <a:ext uri="{C183D7F6-B498-43B3-948B-1728B52AA6E4}">
                   <adec:decorative xmlns:adec="http://schemas.microsoft.com/office/drawing/2017/decorative" val="1"/>
@@ -39902,10 +41500,10 @@
         </p:sp>
         <p:sp>
           <p:nvSpPr>
-            <p:cNvPr id="15" name="Rectangle 27">
+            <p:cNvPr id="30" name="Rectangle 27">
               <a:extLst>
                 <a:ext uri="{FF2B5EF4-FFF2-40B4-BE49-F238E27FC236}">
-                  <a16:creationId xmlns:a16="http://schemas.microsoft.com/office/drawing/2014/main" id="{F26A0854-FBE4-4587-B349-06BE192BD7F6}"/>
+                  <a16:creationId xmlns:a16="http://schemas.microsoft.com/office/drawing/2014/main" id="{3B66B1A2-F145-4C9B-85CC-4BF30D58CBC5}"/>
                 </a:ext>
                 <a:ext uri="{C183D7F6-B498-43B3-948B-1728B52AA6E4}">
                   <adec:decorative xmlns:adec="http://schemas.microsoft.com/office/drawing/2017/decorative" val="1"/>
@@ -39981,10 +41579,10 @@
         </p:sp>
         <p:sp>
           <p:nvSpPr>
-            <p:cNvPr id="16" name="Rectangle 28">
+            <p:cNvPr id="31" name="Rectangle 28">
               <a:extLst>
                 <a:ext uri="{FF2B5EF4-FFF2-40B4-BE49-F238E27FC236}">
-                  <a16:creationId xmlns:a16="http://schemas.microsoft.com/office/drawing/2014/main" id="{54A9C4C6-FF7D-470E-BFCA-CE4F60A1F0A8}"/>
+                  <a16:creationId xmlns:a16="http://schemas.microsoft.com/office/drawing/2014/main" id="{5D4FC972-94B3-4035-8D31-E668C132B411}"/>
                 </a:ext>
                 <a:ext uri="{C183D7F6-B498-43B3-948B-1728B52AA6E4}">
                   <adec:decorative xmlns:adec="http://schemas.microsoft.com/office/drawing/2017/decorative" val="1"/>
@@ -40061,10 +41659,10 @@
         </p:sp>
         <p:sp>
           <p:nvSpPr>
-            <p:cNvPr id="17" name="Rectangle 29">
+            <p:cNvPr id="32" name="Rectangle 29">
               <a:extLst>
                 <a:ext uri="{FF2B5EF4-FFF2-40B4-BE49-F238E27FC236}">
-                  <a16:creationId xmlns:a16="http://schemas.microsoft.com/office/drawing/2014/main" id="{B1721EA8-4871-45D4-B78F-AE805A3004B1}"/>
+                  <a16:creationId xmlns:a16="http://schemas.microsoft.com/office/drawing/2014/main" id="{374B9941-AFBE-4A77-A50E-B6EA04A746AE}"/>
                 </a:ext>
                 <a:ext uri="{C183D7F6-B498-43B3-948B-1728B52AA6E4}">
                   <adec:decorative xmlns:adec="http://schemas.microsoft.com/office/drawing/2017/decorative" val="1"/>
@@ -40139,10 +41737,10 @@
         </p:sp>
         <p:sp>
           <p:nvSpPr>
-            <p:cNvPr id="18" name="Isosceles Triangle 17">
+            <p:cNvPr id="33" name="Isosceles Triangle 32">
               <a:extLst>
                 <a:ext uri="{FF2B5EF4-FFF2-40B4-BE49-F238E27FC236}">
-                  <a16:creationId xmlns:a16="http://schemas.microsoft.com/office/drawing/2014/main" id="{E5763971-E3A3-45C6-9BA8-2E032C7A55EB}"/>
+                  <a16:creationId xmlns:a16="http://schemas.microsoft.com/office/drawing/2014/main" id="{27A982C5-2C38-4CE9-BC18-94697AD657FB}"/>
                 </a:ext>
                 <a:ext uri="{C183D7F6-B498-43B3-948B-1728B52AA6E4}">
                   <adec:decorative xmlns:adec="http://schemas.microsoft.com/office/drawing/2017/decorative" val="1"/>
@@ -40195,10 +41793,10 @@
         </p:sp>
         <p:sp>
           <p:nvSpPr>
-            <p:cNvPr id="19" name="Isosceles Triangle 18">
+            <p:cNvPr id="34" name="Isosceles Triangle 33">
               <a:extLst>
                 <a:ext uri="{FF2B5EF4-FFF2-40B4-BE49-F238E27FC236}">
-                  <a16:creationId xmlns:a16="http://schemas.microsoft.com/office/drawing/2014/main" id="{32752E94-0E01-4AF5-A43A-F2FAD8737C29}"/>
+                  <a16:creationId xmlns:a16="http://schemas.microsoft.com/office/drawing/2014/main" id="{0060D8D1-7BB1-498F-AFBB-ADAC130A9E90}"/>
                 </a:ext>
                 <a:ext uri="{C183D7F6-B498-43B3-948B-1728B52AA6E4}">
                   <adec:decorative xmlns:adec="http://schemas.microsoft.com/office/drawing/2017/decorative" val="1"/>
@@ -40268,8 +41866,8 @@
         </p:nvSpPr>
         <p:spPr>
           <a:xfrm>
-            <a:off x="985969" y="4473227"/>
-            <a:ext cx="8288032" cy="1096648"/>
+            <a:off x="985969" y="4553712"/>
+            <a:ext cx="8288032" cy="1096316"/>
           </a:xfrm>
         </p:spPr>
         <p:txBody>
@@ -40278,24 +41876,43 @@
           </a:bodyPr>
           <a:lstStyle/>
           <a:p>
-            <a:pPr>
+            <a:pPr algn="ctr">
               <a:lnSpc>
                 <a:spcPct val="90000"/>
               </a:lnSpc>
             </a:pPr>
             <a:r>
               <a:rPr lang="en-US" sz="4100"/>
-              <a:t>Scatterplot for Confidence Limits</a:t>
+              <a:t>Line</a:t>
             </a:r>
+            <a:r>
+              <a:rPr lang="en-US" sz="4100" kern="1200">
+                <a:solidFill>
+                  <a:schemeClr val="accent1"/>
+                </a:solidFill>
+                <a:latin typeface="+mj-lt"/>
+                <a:ea typeface="+mj-ea"/>
+                <a:cs typeface="+mj-cs"/>
+              </a:rPr>
+              <a:t>plot for Confidence Limits</a:t>
+            </a:r>
+            <a:endParaRPr lang="en-US" sz="4100" kern="1200" dirty="0">
+              <a:solidFill>
+                <a:schemeClr val="accent1"/>
+              </a:solidFill>
+              <a:latin typeface="+mj-lt"/>
+              <a:ea typeface="+mj-ea"/>
+              <a:cs typeface="+mj-cs"/>
+            </a:endParaRPr>
           </a:p>
         </p:txBody>
       </p:sp>
       <p:pic>
         <p:nvPicPr>
-          <p:cNvPr id="4" name="Content Placeholder 3" descr="Chart, scatter chart&#10;&#10;Description automatically generated">
+          <p:cNvPr id="7" name="Picture 6">
             <a:extLst>
               <a:ext uri="{FF2B5EF4-FFF2-40B4-BE49-F238E27FC236}">
-                <a16:creationId xmlns:a16="http://schemas.microsoft.com/office/drawing/2014/main" id="{7BB91B34-3E7F-4EC6-B94C-EB1B9F79BB15}"/>
+                <a16:creationId xmlns:a16="http://schemas.microsoft.com/office/drawing/2014/main" id="{4583A8D1-E307-4E8E-8E56-88523873E84D}"/>
               </a:ext>
             </a:extLst>
           </p:cNvPr>
@@ -40304,42 +41921,718 @@
           </p:cNvPicPr>
           <p:nvPr/>
         </p:nvPicPr>
-        <p:blipFill rotWithShape="1">
+        <p:blipFill>
           <a:blip r:embed="rId2"/>
-          <a:srcRect t="9134" r="2" b="11715"/>
-          <a:stretch/>
+          <a:stretch>
+            <a:fillRect/>
+          </a:stretch>
         </p:blipFill>
         <p:spPr>
           <a:xfrm>
-            <a:off x="677334" y="468621"/>
-            <a:ext cx="8274669" cy="3635025"/>
+            <a:off x="1066800" y="223838"/>
+            <a:ext cx="7959182" cy="4795202"/>
           </a:xfrm>
-          <a:custGeom>
+          <a:prstGeom prst="rect">
             <a:avLst/>
-            <a:gdLst/>
-            <a:ahLst/>
-            <a:cxnLst/>
-            <a:rect l="l" t="t" r="r" b="b"/>
-            <a:pathLst>
-              <a:path w="8274669" h="3635025">
-                <a:moveTo>
-                  <a:pt x="540554" y="0"/>
-                </a:moveTo>
-                <a:lnTo>
-                  <a:pt x="8274669" y="0"/>
-                </a:lnTo>
-                <a:lnTo>
-                  <a:pt x="8274669" y="3635025"/>
-                </a:lnTo>
-                <a:lnTo>
-                  <a:pt x="0" y="3635025"/>
-                </a:lnTo>
-                <a:close/>
-              </a:path>
-            </a:pathLst>
-          </a:custGeom>
+          </a:prstGeom>
         </p:spPr>
       </p:pic>
+      <p:grpSp>
+        <p:nvGrpSpPr>
+          <p:cNvPr id="21" name="Group 20">
+            <a:extLst>
+              <a:ext uri="{FF2B5EF4-FFF2-40B4-BE49-F238E27FC236}">
+                <a16:creationId xmlns:a16="http://schemas.microsoft.com/office/drawing/2014/main" id="{499AFE07-22CD-40A8-8FB5-A6B1ED30F92A}"/>
+              </a:ext>
+            </a:extLst>
+          </p:cNvPr>
+          <p:cNvGrpSpPr/>
+          <p:nvPr/>
+        </p:nvGrpSpPr>
+        <p:grpSpPr>
+          <a:xfrm>
+            <a:off x="2559720" y="4541280"/>
+            <a:ext cx="360" cy="51120"/>
+            <a:chOff x="2559720" y="4541280"/>
+            <a:chExt cx="360" cy="51120"/>
+          </a:xfrm>
+        </p:grpSpPr>
+        <mc:AlternateContent xmlns:mc="http://schemas.openxmlformats.org/markup-compatibility/2006">
+          <mc:Choice xmlns:p14="http://schemas.microsoft.com/office/powerpoint/2010/main" Requires="p14">
+            <p:contentPart p14:bwMode="auto" r:id="rId3">
+              <p14:nvContentPartPr>
+                <p14:cNvPr id="8" name="Ink 7">
+                  <a:extLst>
+                    <a:ext uri="{FF2B5EF4-FFF2-40B4-BE49-F238E27FC236}">
+                      <a16:creationId xmlns:a16="http://schemas.microsoft.com/office/drawing/2014/main" id="{6A88E063-4115-439B-BC27-13E8212CA814}"/>
+                    </a:ext>
+                  </a:extLst>
+                </p14:cNvPr>
+                <p14:cNvContentPartPr/>
+                <p14:nvPr/>
+              </p14:nvContentPartPr>
+              <p14:xfrm>
+                <a:off x="2559720" y="4592040"/>
+                <a:ext cx="360" cy="360"/>
+              </p14:xfrm>
+            </p:contentPart>
+          </mc:Choice>
+          <mc:Fallback>
+            <p:pic>
+              <p:nvPicPr>
+                <p:cNvPr id="8" name="Ink 7">
+                  <a:extLst>
+                    <a:ext uri="{FF2B5EF4-FFF2-40B4-BE49-F238E27FC236}">
+                      <a16:creationId xmlns:a16="http://schemas.microsoft.com/office/drawing/2014/main" id="{6A88E063-4115-439B-BC27-13E8212CA814}"/>
+                    </a:ext>
+                  </a:extLst>
+                </p:cNvPr>
+                <p:cNvPicPr/>
+                <p:nvPr/>
+              </p:nvPicPr>
+              <p:blipFill>
+                <a:blip r:embed="rId4"/>
+                <a:stretch>
+                  <a:fillRect/>
+                </a:stretch>
+              </p:blipFill>
+              <p:spPr>
+                <a:xfrm>
+                  <a:off x="2497080" y="4529040"/>
+                  <a:ext cx="126000" cy="126000"/>
+                </a:xfrm>
+                <a:prstGeom prst="rect">
+                  <a:avLst/>
+                </a:prstGeom>
+              </p:spPr>
+            </p:pic>
+          </mc:Fallback>
+        </mc:AlternateContent>
+        <mc:AlternateContent xmlns:mc="http://schemas.openxmlformats.org/markup-compatibility/2006">
+          <mc:Choice xmlns:p14="http://schemas.microsoft.com/office/powerpoint/2010/main" Requires="p14">
+            <p:contentPart p14:bwMode="auto" r:id="rId5">
+              <p14:nvContentPartPr>
+                <p14:cNvPr id="20" name="Ink 19">
+                  <a:extLst>
+                    <a:ext uri="{FF2B5EF4-FFF2-40B4-BE49-F238E27FC236}">
+                      <a16:creationId xmlns:a16="http://schemas.microsoft.com/office/drawing/2014/main" id="{7D4B8D72-1076-4300-89C2-B2C01FB0EEE5}"/>
+                    </a:ext>
+                  </a:extLst>
+                </p14:cNvPr>
+                <p14:cNvContentPartPr/>
+                <p14:nvPr/>
+              </p14:nvContentPartPr>
+              <p14:xfrm>
+                <a:off x="2559720" y="4541280"/>
+                <a:ext cx="360" cy="360"/>
+              </p14:xfrm>
+            </p:contentPart>
+          </mc:Choice>
+          <mc:Fallback>
+            <p:pic>
+              <p:nvPicPr>
+                <p:cNvPr id="20" name="Ink 19">
+                  <a:extLst>
+                    <a:ext uri="{FF2B5EF4-FFF2-40B4-BE49-F238E27FC236}">
+                      <a16:creationId xmlns:a16="http://schemas.microsoft.com/office/drawing/2014/main" id="{7D4B8D72-1076-4300-89C2-B2C01FB0EEE5}"/>
+                    </a:ext>
+                  </a:extLst>
+                </p:cNvPr>
+                <p:cNvPicPr/>
+                <p:nvPr/>
+              </p:nvPicPr>
+              <p:blipFill>
+                <a:blip r:embed="rId4"/>
+                <a:stretch>
+                  <a:fillRect/>
+                </a:stretch>
+              </p:blipFill>
+              <p:spPr>
+                <a:xfrm>
+                  <a:off x="2497080" y="4478640"/>
+                  <a:ext cx="126000" cy="126000"/>
+                </a:xfrm>
+                <a:prstGeom prst="rect">
+                  <a:avLst/>
+                </a:prstGeom>
+              </p:spPr>
+            </p:pic>
+          </mc:Fallback>
+        </mc:AlternateContent>
+      </p:grpSp>
+      <p:grpSp>
+        <p:nvGrpSpPr>
+          <p:cNvPr id="35" name="Group 34">
+            <a:extLst>
+              <a:ext uri="{FF2B5EF4-FFF2-40B4-BE49-F238E27FC236}">
+                <a16:creationId xmlns:a16="http://schemas.microsoft.com/office/drawing/2014/main" id="{F373F5C9-33F1-4F48-9EE2-E8A0A0FCDBF1}"/>
+              </a:ext>
+            </a:extLst>
+          </p:cNvPr>
+          <p:cNvGrpSpPr/>
+          <p:nvPr/>
+        </p:nvGrpSpPr>
+        <p:grpSpPr>
+          <a:xfrm>
+            <a:off x="3321840" y="4541280"/>
+            <a:ext cx="360" cy="60840"/>
+            <a:chOff x="3321840" y="4541280"/>
+            <a:chExt cx="360" cy="60840"/>
+          </a:xfrm>
+        </p:grpSpPr>
+        <mc:AlternateContent xmlns:mc="http://schemas.openxmlformats.org/markup-compatibility/2006">
+          <mc:Choice xmlns:p14="http://schemas.microsoft.com/office/powerpoint/2010/main" Requires="p14">
+            <p:contentPart p14:bwMode="auto" r:id="rId6">
+              <p14:nvContentPartPr>
+                <p14:cNvPr id="22" name="Ink 21">
+                  <a:extLst>
+                    <a:ext uri="{FF2B5EF4-FFF2-40B4-BE49-F238E27FC236}">
+                      <a16:creationId xmlns:a16="http://schemas.microsoft.com/office/drawing/2014/main" id="{991F7502-8D82-4F80-8AD2-35ABE1689757}"/>
+                    </a:ext>
+                  </a:extLst>
+                </p14:cNvPr>
+                <p14:cNvContentPartPr/>
+                <p14:nvPr/>
+              </p14:nvContentPartPr>
+              <p14:xfrm>
+                <a:off x="3321840" y="4601760"/>
+                <a:ext cx="360" cy="360"/>
+              </p14:xfrm>
+            </p:contentPart>
+          </mc:Choice>
+          <mc:Fallback>
+            <p:pic>
+              <p:nvPicPr>
+                <p:cNvPr id="22" name="Ink 21">
+                  <a:extLst>
+                    <a:ext uri="{FF2B5EF4-FFF2-40B4-BE49-F238E27FC236}">
+                      <a16:creationId xmlns:a16="http://schemas.microsoft.com/office/drawing/2014/main" id="{991F7502-8D82-4F80-8AD2-35ABE1689757}"/>
+                    </a:ext>
+                  </a:extLst>
+                </p:cNvPr>
+                <p:cNvPicPr/>
+                <p:nvPr/>
+              </p:nvPicPr>
+              <p:blipFill>
+                <a:blip r:embed="rId4"/>
+                <a:stretch>
+                  <a:fillRect/>
+                </a:stretch>
+              </p:blipFill>
+              <p:spPr>
+                <a:xfrm>
+                  <a:off x="3259200" y="4539120"/>
+                  <a:ext cx="126000" cy="126000"/>
+                </a:xfrm>
+                <a:prstGeom prst="rect">
+                  <a:avLst/>
+                </a:prstGeom>
+              </p:spPr>
+            </p:pic>
+          </mc:Fallback>
+        </mc:AlternateContent>
+        <mc:AlternateContent xmlns:mc="http://schemas.openxmlformats.org/markup-compatibility/2006">
+          <mc:Choice xmlns:p14="http://schemas.microsoft.com/office/powerpoint/2010/main" Requires="p14">
+            <p:contentPart p14:bwMode="auto" r:id="rId7">
+              <p14:nvContentPartPr>
+                <p14:cNvPr id="23" name="Ink 22">
+                  <a:extLst>
+                    <a:ext uri="{FF2B5EF4-FFF2-40B4-BE49-F238E27FC236}">
+                      <a16:creationId xmlns:a16="http://schemas.microsoft.com/office/drawing/2014/main" id="{300F36D1-565C-40B2-96D9-9E60A79AC442}"/>
+                    </a:ext>
+                  </a:extLst>
+                </p14:cNvPr>
+                <p14:cNvContentPartPr/>
+                <p14:nvPr/>
+              </p14:nvContentPartPr>
+              <p14:xfrm>
+                <a:off x="3321840" y="4541280"/>
+                <a:ext cx="360" cy="360"/>
+              </p14:xfrm>
+            </p:contentPart>
+          </mc:Choice>
+          <mc:Fallback>
+            <p:pic>
+              <p:nvPicPr>
+                <p:cNvPr id="23" name="Ink 22">
+                  <a:extLst>
+                    <a:ext uri="{FF2B5EF4-FFF2-40B4-BE49-F238E27FC236}">
+                      <a16:creationId xmlns:a16="http://schemas.microsoft.com/office/drawing/2014/main" id="{300F36D1-565C-40B2-96D9-9E60A79AC442}"/>
+                    </a:ext>
+                  </a:extLst>
+                </p:cNvPr>
+                <p:cNvPicPr/>
+                <p:nvPr/>
+              </p:nvPicPr>
+              <p:blipFill>
+                <a:blip r:embed="rId4"/>
+                <a:stretch>
+                  <a:fillRect/>
+                </a:stretch>
+              </p:blipFill>
+              <p:spPr>
+                <a:xfrm>
+                  <a:off x="3259200" y="4478640"/>
+                  <a:ext cx="126000" cy="126000"/>
+                </a:xfrm>
+                <a:prstGeom prst="rect">
+                  <a:avLst/>
+                </a:prstGeom>
+              </p:spPr>
+            </p:pic>
+          </mc:Fallback>
+        </mc:AlternateContent>
+      </p:grpSp>
+      <mc:AlternateContent xmlns:mc="http://schemas.openxmlformats.org/markup-compatibility/2006">
+        <mc:Choice xmlns:p14="http://schemas.microsoft.com/office/powerpoint/2010/main" Requires="p14">
+          <p:contentPart p14:bwMode="auto" r:id="rId8">
+            <p14:nvContentPartPr>
+              <p14:cNvPr id="52" name="Ink 51">
+                <a:extLst>
+                  <a:ext uri="{FF2B5EF4-FFF2-40B4-BE49-F238E27FC236}">
+                    <a16:creationId xmlns:a16="http://schemas.microsoft.com/office/drawing/2014/main" id="{D2EEE415-EDFE-4C8D-85FA-CC5104EDE1A1}"/>
+                  </a:ext>
+                </a:extLst>
+              </p14:cNvPr>
+              <p14:cNvContentPartPr/>
+              <p14:nvPr/>
+            </p14:nvContentPartPr>
+            <p14:xfrm>
+              <a:off x="4125000" y="4571160"/>
+              <a:ext cx="360" cy="360"/>
+            </p14:xfrm>
+          </p:contentPart>
+        </mc:Choice>
+        <mc:Fallback>
+          <p:pic>
+            <p:nvPicPr>
+              <p:cNvPr id="52" name="Ink 51">
+                <a:extLst>
+                  <a:ext uri="{FF2B5EF4-FFF2-40B4-BE49-F238E27FC236}">
+                    <a16:creationId xmlns:a16="http://schemas.microsoft.com/office/drawing/2014/main" id="{D2EEE415-EDFE-4C8D-85FA-CC5104EDE1A1}"/>
+                  </a:ext>
+                </a:extLst>
+              </p:cNvPr>
+              <p:cNvPicPr/>
+              <p:nvPr/>
+            </p:nvPicPr>
+            <p:blipFill>
+              <a:blip r:embed="rId4"/>
+              <a:stretch>
+                <a:fillRect/>
+              </a:stretch>
+            </p:blipFill>
+            <p:spPr>
+              <a:xfrm>
+                <a:off x="4062000" y="4508520"/>
+                <a:ext cx="126000" cy="126000"/>
+              </a:xfrm>
+              <a:prstGeom prst="rect">
+                <a:avLst/>
+              </a:prstGeom>
+            </p:spPr>
+          </p:pic>
+        </mc:Fallback>
+      </mc:AlternateContent>
+      <p:grpSp>
+        <p:nvGrpSpPr>
+          <p:cNvPr id="56" name="Group 55">
+            <a:extLst>
+              <a:ext uri="{FF2B5EF4-FFF2-40B4-BE49-F238E27FC236}">
+                <a16:creationId xmlns:a16="http://schemas.microsoft.com/office/drawing/2014/main" id="{94283422-5BE2-4FA2-B644-D8F1A28BF441}"/>
+              </a:ext>
+            </a:extLst>
+          </p:cNvPr>
+          <p:cNvGrpSpPr/>
+          <p:nvPr/>
+        </p:nvGrpSpPr>
+        <p:grpSpPr>
+          <a:xfrm>
+            <a:off x="4906920" y="4561440"/>
+            <a:ext cx="51120" cy="360"/>
+            <a:chOff x="4906920" y="4561440"/>
+            <a:chExt cx="51120" cy="360"/>
+          </a:xfrm>
+        </p:grpSpPr>
+        <mc:AlternateContent xmlns:mc="http://schemas.openxmlformats.org/markup-compatibility/2006">
+          <mc:Choice xmlns:p14="http://schemas.microsoft.com/office/powerpoint/2010/main" Requires="p14">
+            <p:contentPart p14:bwMode="auto" r:id="rId9">
+              <p14:nvContentPartPr>
+                <p14:cNvPr id="54" name="Ink 53">
+                  <a:extLst>
+                    <a:ext uri="{FF2B5EF4-FFF2-40B4-BE49-F238E27FC236}">
+                      <a16:creationId xmlns:a16="http://schemas.microsoft.com/office/drawing/2014/main" id="{05B10CBD-BCC9-45CA-904A-6C8E8F7D7A8E}"/>
+                    </a:ext>
+                  </a:extLst>
+                </p14:cNvPr>
+                <p14:cNvContentPartPr/>
+                <p14:nvPr/>
+              </p14:nvContentPartPr>
+              <p14:xfrm>
+                <a:off x="4957680" y="4561440"/>
+                <a:ext cx="360" cy="360"/>
+              </p14:xfrm>
+            </p:contentPart>
+          </mc:Choice>
+          <mc:Fallback>
+            <p:pic>
+              <p:nvPicPr>
+                <p:cNvPr id="54" name="Ink 53">
+                  <a:extLst>
+                    <a:ext uri="{FF2B5EF4-FFF2-40B4-BE49-F238E27FC236}">
+                      <a16:creationId xmlns:a16="http://schemas.microsoft.com/office/drawing/2014/main" id="{05B10CBD-BCC9-45CA-904A-6C8E8F7D7A8E}"/>
+                    </a:ext>
+                  </a:extLst>
+                </p:cNvPr>
+                <p:cNvPicPr/>
+                <p:nvPr/>
+              </p:nvPicPr>
+              <p:blipFill>
+                <a:blip r:embed="rId4"/>
+                <a:stretch>
+                  <a:fillRect/>
+                </a:stretch>
+              </p:blipFill>
+              <p:spPr>
+                <a:xfrm>
+                  <a:off x="4895040" y="4498800"/>
+                  <a:ext cx="126000" cy="126000"/>
+                </a:xfrm>
+                <a:prstGeom prst="rect">
+                  <a:avLst/>
+                </a:prstGeom>
+              </p:spPr>
+            </p:pic>
+          </mc:Fallback>
+        </mc:AlternateContent>
+        <mc:AlternateContent xmlns:mc="http://schemas.openxmlformats.org/markup-compatibility/2006">
+          <mc:Choice xmlns:p14="http://schemas.microsoft.com/office/powerpoint/2010/main" Requires="p14">
+            <p:contentPart p14:bwMode="auto" r:id="rId10">
+              <p14:nvContentPartPr>
+                <p14:cNvPr id="55" name="Ink 54">
+                  <a:extLst>
+                    <a:ext uri="{FF2B5EF4-FFF2-40B4-BE49-F238E27FC236}">
+                      <a16:creationId xmlns:a16="http://schemas.microsoft.com/office/drawing/2014/main" id="{1DDDA8F9-33A3-4A7D-BBC0-95BD2705167F}"/>
+                    </a:ext>
+                  </a:extLst>
+                </p14:cNvPr>
+                <p14:cNvContentPartPr/>
+                <p14:nvPr/>
+              </p14:nvContentPartPr>
+              <p14:xfrm>
+                <a:off x="4906920" y="4561440"/>
+                <a:ext cx="360" cy="360"/>
+              </p14:xfrm>
+            </p:contentPart>
+          </mc:Choice>
+          <mc:Fallback>
+            <p:pic>
+              <p:nvPicPr>
+                <p:cNvPr id="55" name="Ink 54">
+                  <a:extLst>
+                    <a:ext uri="{FF2B5EF4-FFF2-40B4-BE49-F238E27FC236}">
+                      <a16:creationId xmlns:a16="http://schemas.microsoft.com/office/drawing/2014/main" id="{1DDDA8F9-33A3-4A7D-BBC0-95BD2705167F}"/>
+                    </a:ext>
+                  </a:extLst>
+                </p:cNvPr>
+                <p:cNvPicPr/>
+                <p:nvPr/>
+              </p:nvPicPr>
+              <p:blipFill>
+                <a:blip r:embed="rId4"/>
+                <a:stretch>
+                  <a:fillRect/>
+                </a:stretch>
+              </p:blipFill>
+              <p:spPr>
+                <a:xfrm>
+                  <a:off x="4844280" y="4498800"/>
+                  <a:ext cx="126000" cy="126000"/>
+                </a:xfrm>
+                <a:prstGeom prst="rect">
+                  <a:avLst/>
+                </a:prstGeom>
+              </p:spPr>
+            </p:pic>
+          </mc:Fallback>
+        </mc:AlternateContent>
+      </p:grpSp>
+      <mc:AlternateContent xmlns:mc="http://schemas.openxmlformats.org/markup-compatibility/2006">
+        <mc:Choice xmlns:p14="http://schemas.microsoft.com/office/powerpoint/2010/main" Requires="p14">
+          <p:contentPart p14:bwMode="auto" r:id="rId11">
+            <p14:nvContentPartPr>
+              <p14:cNvPr id="57" name="Ink 56">
+                <a:extLst>
+                  <a:ext uri="{FF2B5EF4-FFF2-40B4-BE49-F238E27FC236}">
+                    <a16:creationId xmlns:a16="http://schemas.microsoft.com/office/drawing/2014/main" id="{58F0A911-0DDD-49BD-8DCE-8B10E4702960}"/>
+                  </a:ext>
+                </a:extLst>
+              </p14:cNvPr>
+              <p14:cNvContentPartPr/>
+              <p14:nvPr/>
+            </p14:nvContentPartPr>
+            <p14:xfrm>
+              <a:off x="5739960" y="4561440"/>
+              <a:ext cx="360" cy="360"/>
+            </p14:xfrm>
+          </p:contentPart>
+        </mc:Choice>
+        <mc:Fallback>
+          <p:pic>
+            <p:nvPicPr>
+              <p:cNvPr id="57" name="Ink 56">
+                <a:extLst>
+                  <a:ext uri="{FF2B5EF4-FFF2-40B4-BE49-F238E27FC236}">
+                    <a16:creationId xmlns:a16="http://schemas.microsoft.com/office/drawing/2014/main" id="{58F0A911-0DDD-49BD-8DCE-8B10E4702960}"/>
+                  </a:ext>
+                </a:extLst>
+              </p:cNvPr>
+              <p:cNvPicPr/>
+              <p:nvPr/>
+            </p:nvPicPr>
+            <p:blipFill>
+              <a:blip r:embed="rId4"/>
+              <a:stretch>
+                <a:fillRect/>
+              </a:stretch>
+            </p:blipFill>
+            <p:spPr>
+              <a:xfrm>
+                <a:off x="5677320" y="4498800"/>
+                <a:ext cx="126000" cy="126000"/>
+              </a:xfrm>
+              <a:prstGeom prst="rect">
+                <a:avLst/>
+              </a:prstGeom>
+            </p:spPr>
+          </p:pic>
+        </mc:Fallback>
+      </mc:AlternateContent>
+      <mc:AlternateContent xmlns:mc="http://schemas.openxmlformats.org/markup-compatibility/2006">
+        <mc:Choice xmlns:p14="http://schemas.microsoft.com/office/powerpoint/2010/main" Requires="p14">
+          <p:contentPart p14:bwMode="auto" r:id="rId12">
+            <p14:nvContentPartPr>
+              <p14:cNvPr id="58" name="Ink 57">
+                <a:extLst>
+                  <a:ext uri="{FF2B5EF4-FFF2-40B4-BE49-F238E27FC236}">
+                    <a16:creationId xmlns:a16="http://schemas.microsoft.com/office/drawing/2014/main" id="{1766BF59-11DB-4C85-B749-6BC5E2DF7787}"/>
+                  </a:ext>
+                </a:extLst>
+              </p14:cNvPr>
+              <p14:cNvContentPartPr/>
+              <p14:nvPr/>
+            </p14:nvContentPartPr>
+            <p14:xfrm>
+              <a:off x="6512520" y="4561440"/>
+              <a:ext cx="360" cy="360"/>
+            </p14:xfrm>
+          </p:contentPart>
+        </mc:Choice>
+        <mc:Fallback>
+          <p:pic>
+            <p:nvPicPr>
+              <p:cNvPr id="58" name="Ink 57">
+                <a:extLst>
+                  <a:ext uri="{FF2B5EF4-FFF2-40B4-BE49-F238E27FC236}">
+                    <a16:creationId xmlns:a16="http://schemas.microsoft.com/office/drawing/2014/main" id="{1766BF59-11DB-4C85-B749-6BC5E2DF7787}"/>
+                  </a:ext>
+                </a:extLst>
+              </p:cNvPr>
+              <p:cNvPicPr/>
+              <p:nvPr/>
+            </p:nvPicPr>
+            <p:blipFill>
+              <a:blip r:embed="rId4"/>
+              <a:stretch>
+                <a:fillRect/>
+              </a:stretch>
+            </p:blipFill>
+            <p:spPr>
+              <a:xfrm>
+                <a:off x="6449520" y="4498800"/>
+                <a:ext cx="126000" cy="126000"/>
+              </a:xfrm>
+              <a:prstGeom prst="rect">
+                <a:avLst/>
+              </a:prstGeom>
+            </p:spPr>
+          </p:pic>
+        </mc:Fallback>
+      </mc:AlternateContent>
+      <mc:AlternateContent xmlns:mc="http://schemas.openxmlformats.org/markup-compatibility/2006">
+        <mc:Choice xmlns:p14="http://schemas.microsoft.com/office/powerpoint/2010/main" Requires="p14">
+          <p:contentPart p14:bwMode="auto" r:id="rId13">
+            <p14:nvContentPartPr>
+              <p14:cNvPr id="59" name="Ink 58">
+                <a:extLst>
+                  <a:ext uri="{FF2B5EF4-FFF2-40B4-BE49-F238E27FC236}">
+                    <a16:creationId xmlns:a16="http://schemas.microsoft.com/office/drawing/2014/main" id="{9B14BC3C-8739-4C81-82B7-E2F73B1814C7}"/>
+                  </a:ext>
+                </a:extLst>
+              </p14:cNvPr>
+              <p14:cNvContentPartPr/>
+              <p14:nvPr/>
+            </p14:nvContentPartPr>
+            <p14:xfrm>
+              <a:off x="7325040" y="4561440"/>
+              <a:ext cx="360" cy="360"/>
+            </p14:xfrm>
+          </p:contentPart>
+        </mc:Choice>
+        <mc:Fallback>
+          <p:pic>
+            <p:nvPicPr>
+              <p:cNvPr id="59" name="Ink 58">
+                <a:extLst>
+                  <a:ext uri="{FF2B5EF4-FFF2-40B4-BE49-F238E27FC236}">
+                    <a16:creationId xmlns:a16="http://schemas.microsoft.com/office/drawing/2014/main" id="{9B14BC3C-8739-4C81-82B7-E2F73B1814C7}"/>
+                  </a:ext>
+                </a:extLst>
+              </p:cNvPr>
+              <p:cNvPicPr/>
+              <p:nvPr/>
+            </p:nvPicPr>
+            <p:blipFill>
+              <a:blip r:embed="rId4"/>
+              <a:stretch>
+                <a:fillRect/>
+              </a:stretch>
+            </p:blipFill>
+            <p:spPr>
+              <a:xfrm>
+                <a:off x="7262400" y="4498800"/>
+                <a:ext cx="126000" cy="126000"/>
+              </a:xfrm>
+              <a:prstGeom prst="rect">
+                <a:avLst/>
+              </a:prstGeom>
+            </p:spPr>
+          </p:pic>
+        </mc:Fallback>
+      </mc:AlternateContent>
+      <p:grpSp>
+        <p:nvGrpSpPr>
+          <p:cNvPr id="62" name="Group 61">
+            <a:extLst>
+              <a:ext uri="{FF2B5EF4-FFF2-40B4-BE49-F238E27FC236}">
+                <a16:creationId xmlns:a16="http://schemas.microsoft.com/office/drawing/2014/main" id="{C90532B0-540F-48C6-A765-5E301BAC16CA}"/>
+              </a:ext>
+            </a:extLst>
+          </p:cNvPr>
+          <p:cNvGrpSpPr/>
+          <p:nvPr/>
+        </p:nvGrpSpPr>
+        <p:grpSpPr>
+          <a:xfrm>
+            <a:off x="8107320" y="4551000"/>
+            <a:ext cx="20520" cy="30960"/>
+            <a:chOff x="8107320" y="4551000"/>
+            <a:chExt cx="20520" cy="30960"/>
+          </a:xfrm>
+        </p:grpSpPr>
+        <mc:AlternateContent xmlns:mc="http://schemas.openxmlformats.org/markup-compatibility/2006">
+          <mc:Choice xmlns:p14="http://schemas.microsoft.com/office/powerpoint/2010/main" Requires="p14">
+            <p:contentPart p14:bwMode="auto" r:id="rId14">
+              <p14:nvContentPartPr>
+                <p14:cNvPr id="60" name="Ink 59">
+                  <a:extLst>
+                    <a:ext uri="{FF2B5EF4-FFF2-40B4-BE49-F238E27FC236}">
+                      <a16:creationId xmlns:a16="http://schemas.microsoft.com/office/drawing/2014/main" id="{A96C9A92-9A38-4DAE-973B-6B089971DC92}"/>
+                    </a:ext>
+                  </a:extLst>
+                </p14:cNvPr>
+                <p14:cNvContentPartPr/>
+                <p14:nvPr/>
+              </p14:nvContentPartPr>
+              <p14:xfrm>
+                <a:off x="8127480" y="4581600"/>
+                <a:ext cx="360" cy="360"/>
+              </p14:xfrm>
+            </p:contentPart>
+          </mc:Choice>
+          <mc:Fallback>
+            <p:pic>
+              <p:nvPicPr>
+                <p:cNvPr id="60" name="Ink 59">
+                  <a:extLst>
+                    <a:ext uri="{FF2B5EF4-FFF2-40B4-BE49-F238E27FC236}">
+                      <a16:creationId xmlns:a16="http://schemas.microsoft.com/office/drawing/2014/main" id="{A96C9A92-9A38-4DAE-973B-6B089971DC92}"/>
+                    </a:ext>
+                  </a:extLst>
+                </p:cNvPr>
+                <p:cNvPicPr/>
+                <p:nvPr/>
+              </p:nvPicPr>
+              <p:blipFill>
+                <a:blip r:embed="rId4"/>
+                <a:stretch>
+                  <a:fillRect/>
+                </a:stretch>
+              </p:blipFill>
+              <p:spPr>
+                <a:xfrm>
+                  <a:off x="8064840" y="4518960"/>
+                  <a:ext cx="126000" cy="126000"/>
+                </a:xfrm>
+                <a:prstGeom prst="rect">
+                  <a:avLst/>
+                </a:prstGeom>
+              </p:spPr>
+            </p:pic>
+          </mc:Fallback>
+        </mc:AlternateContent>
+        <mc:AlternateContent xmlns:mc="http://schemas.openxmlformats.org/markup-compatibility/2006">
+          <mc:Choice xmlns:p14="http://schemas.microsoft.com/office/powerpoint/2010/main" Requires="p14">
+            <p:contentPart p14:bwMode="auto" r:id="rId15">
+              <p14:nvContentPartPr>
+                <p14:cNvPr id="61" name="Ink 60">
+                  <a:extLst>
+                    <a:ext uri="{FF2B5EF4-FFF2-40B4-BE49-F238E27FC236}">
+                      <a16:creationId xmlns:a16="http://schemas.microsoft.com/office/drawing/2014/main" id="{D6E667AC-9922-4B02-9640-78D0AEE26D84}"/>
+                    </a:ext>
+                  </a:extLst>
+                </p14:cNvPr>
+                <p14:cNvContentPartPr/>
+                <p14:nvPr/>
+              </p14:nvContentPartPr>
+              <p14:xfrm>
+                <a:off x="8107320" y="4551000"/>
+                <a:ext cx="360" cy="360"/>
+              </p14:xfrm>
+            </p:contentPart>
+          </mc:Choice>
+          <mc:Fallback>
+            <p:pic>
+              <p:nvPicPr>
+                <p:cNvPr id="61" name="Ink 60">
+                  <a:extLst>
+                    <a:ext uri="{FF2B5EF4-FFF2-40B4-BE49-F238E27FC236}">
+                      <a16:creationId xmlns:a16="http://schemas.microsoft.com/office/drawing/2014/main" id="{D6E667AC-9922-4B02-9640-78D0AEE26D84}"/>
+                    </a:ext>
+                  </a:extLst>
+                </p:cNvPr>
+                <p:cNvPicPr/>
+                <p:nvPr/>
+              </p:nvPicPr>
+              <p:blipFill>
+                <a:blip r:embed="rId4"/>
+                <a:stretch>
+                  <a:fillRect/>
+                </a:stretch>
+              </p:blipFill>
+              <p:spPr>
+                <a:xfrm>
+                  <a:off x="8044680" y="4488360"/>
+                  <a:ext cx="126000" cy="126000"/>
+                </a:xfrm>
+                <a:prstGeom prst="rect">
+                  <a:avLst/>
+                </a:prstGeom>
+              </p:spPr>
+            </p:pic>
+          </mc:Fallback>
+        </mc:AlternateContent>
+      </p:grpSp>
     </p:spTree>
     <p:extLst>
       <p:ext uri="{BB962C8B-B14F-4D97-AF65-F5344CB8AC3E}">

--- a/Presentation.pptx
+++ b/Presentation.pptx
@@ -126,6 +126,18 @@
     </p:ext>
   </p:extLst>
 </p:presentation>
+</file>
+
+<file path=ppt/commentAuthors.xml><?xml version="1.0" encoding="utf-8"?>
+<p:cmAuthorLst xmlns:a="http://schemas.openxmlformats.org/drawingml/2006/main" xmlns:r="http://schemas.openxmlformats.org/officeDocument/2006/relationships" xmlns:p="http://schemas.openxmlformats.org/presentationml/2006/main">
+  <p:cmAuthor id="1" name="Muhammad Faraz Akram" initials="MFA" lastIdx="1" clrIdx="0">
+    <p:extLst>
+      <p:ext uri="{19B8F6BF-5375-455C-9EA6-DF929625EA0E}">
+        <p15:presenceInfo xmlns:p15="http://schemas.microsoft.com/office/powerpoint/2012/main" userId="ce8fb8be71108c5c" providerId="Windows Live"/>
+      </p:ext>
+    </p:extLst>
+  </p:cmAuthor>
+</p:cmAuthorLst>
 </file>
 
 <file path=ppt/diagrams/colors1.xml><?xml version="1.0" encoding="utf-8"?>
@@ -34387,70 +34399,10 @@
       </p:grpSpPr>
       <p:sp useBgFill="1">
         <p:nvSpPr>
-          <p:cNvPr id="48" name="Rectangle 47">
+          <p:cNvPr id="71" name="Rectangle 70">
             <a:extLst>
               <a:ext uri="{FF2B5EF4-FFF2-40B4-BE49-F238E27FC236}">
-                <a16:creationId xmlns:a16="http://schemas.microsoft.com/office/drawing/2014/main" id="{A65AC7D1-EAA9-48F5-B509-60A7F50BF703}"/>
-              </a:ext>
-              <a:ext uri="{C183D7F6-B498-43B3-948B-1728B52AA6E4}">
-                <adec:decorative xmlns:adec="http://schemas.microsoft.com/office/drawing/2017/decorative" val="1"/>
-              </a:ext>
-            </a:extLst>
-          </p:cNvPr>
-          <p:cNvSpPr>
-            <a:spLocks noGrp="1" noRot="1" noChangeAspect="1" noMove="1" noResize="1" noEditPoints="1" noAdjustHandles="1" noChangeArrowheads="1" noChangeShapeType="1" noTextEdit="1"/>
-          </p:cNvSpPr>
-          <p:nvPr>
-            <p:extLst>
-              <p:ext uri="{386F3935-93C4-4BCD-93E2-E3B085C9AB24}">
-                <p16:designElem xmlns:p16="http://schemas.microsoft.com/office/powerpoint/2015/main" val="1"/>
-              </p:ext>
-            </p:extLst>
-          </p:nvPr>
-        </p:nvSpPr>
-        <p:spPr>
-          <a:xfrm>
-            <a:off x="0" y="0"/>
-            <a:ext cx="12192000" cy="6858000"/>
-          </a:xfrm>
-          <a:prstGeom prst="rect">
-            <a:avLst/>
-          </a:prstGeom>
-          <a:ln>
-            <a:noFill/>
-          </a:ln>
-        </p:spPr>
-        <p:style>
-          <a:lnRef idx="2">
-            <a:schemeClr val="accent1">
-              <a:shade val="50000"/>
-            </a:schemeClr>
-          </a:lnRef>
-          <a:fillRef idx="1">
-            <a:schemeClr val="accent1"/>
-          </a:fillRef>
-          <a:effectRef idx="0">
-            <a:schemeClr val="accent1"/>
-          </a:effectRef>
-          <a:fontRef idx="minor">
-            <a:schemeClr val="lt1"/>
-          </a:fontRef>
-        </p:style>
-        <p:txBody>
-          <a:bodyPr rtlCol="0" anchor="ctr"/>
-          <a:lstStyle/>
-          <a:p>
-            <a:pPr algn="ctr"/>
-            <a:endParaRPr lang="en-US" dirty="0"/>
-          </a:p>
-        </p:txBody>
-      </p:sp>
-      <p:sp useBgFill="1">
-        <p:nvSpPr>
-          <p:cNvPr id="50" name="Rectangle 49">
-            <a:extLst>
-              <a:ext uri="{FF2B5EF4-FFF2-40B4-BE49-F238E27FC236}">
-                <a16:creationId xmlns:a16="http://schemas.microsoft.com/office/drawing/2014/main" id="{D6320AF9-619A-4175-865B-5663E1AEF4C5}"/>
+                <a16:creationId xmlns:a16="http://schemas.microsoft.com/office/drawing/2014/main" id="{9F4444CE-BC8D-4D61-B303-4C05614E62AB}"/>
               </a:ext>
               <a:ext uri="{C183D7F6-B498-43B3-948B-1728B52AA6E4}">
                 <adec:decorative xmlns:adec="http://schemas.microsoft.com/office/drawing/2017/decorative" val="1"/>
@@ -34505,122 +34457,12 @@
           </a:p>
         </p:txBody>
       </p:sp>
-      <p:cxnSp>
-        <p:nvCxnSpPr>
-          <p:cNvPr id="52" name="Straight Connector 51">
+      <p:sp>
+        <p:nvSpPr>
+          <p:cNvPr id="73" name="Rectangle 72">
             <a:extLst>
               <a:ext uri="{FF2B5EF4-FFF2-40B4-BE49-F238E27FC236}">
-                <a16:creationId xmlns:a16="http://schemas.microsoft.com/office/drawing/2014/main" id="{063B6EC6-D752-4EE7-908B-F8F19E8C7FEA}"/>
-              </a:ext>
-              <a:ext uri="{C183D7F6-B498-43B3-948B-1728B52AA6E4}">
-                <adec:decorative xmlns:adec="http://schemas.microsoft.com/office/drawing/2017/decorative" val="1"/>
-              </a:ext>
-            </a:extLst>
-          </p:cNvPr>
-          <p:cNvCxnSpPr>
-            <a:cxnSpLocks noGrp="1" noRot="1" noChangeAspect="1" noMove="1" noResize="1" noEditPoints="1" noAdjustHandles="1" noChangeArrowheads="1" noChangeShapeType="1"/>
-          </p:cNvCxnSpPr>
-          <p:nvPr>
-            <p:extLst>
-              <p:ext uri="{386F3935-93C4-4BCD-93E2-E3B085C9AB24}">
-                <p16:designElem xmlns:p16="http://schemas.microsoft.com/office/powerpoint/2015/main" val="1"/>
-              </p:ext>
-            </p:extLst>
-          </p:nvPr>
-        </p:nvCxnSpPr>
-        <p:spPr>
-          <a:xfrm>
-            <a:off x="5111313" y="0"/>
-            <a:ext cx="1219200" cy="6858000"/>
-          </a:xfrm>
-          <a:prstGeom prst="line">
-            <a:avLst/>
-          </a:prstGeom>
-          <a:ln w="9525">
-            <a:solidFill>
-              <a:schemeClr val="accent1">
-                <a:lumMod val="75000"/>
-              </a:schemeClr>
-            </a:solidFill>
-          </a:ln>
-        </p:spPr>
-        <p:style>
-          <a:lnRef idx="2">
-            <a:schemeClr val="accent1"/>
-          </a:lnRef>
-          <a:fillRef idx="0">
-            <a:schemeClr val="accent1"/>
-          </a:fillRef>
-          <a:effectRef idx="1">
-            <a:schemeClr val="accent1"/>
-          </a:effectRef>
-          <a:fontRef idx="minor">
-            <a:schemeClr val="tx1"/>
-          </a:fontRef>
-        </p:style>
-      </p:cxnSp>
-      <p:cxnSp>
-        <p:nvCxnSpPr>
-          <p:cNvPr id="54" name="Straight Connector 53">
-            <a:extLst>
-              <a:ext uri="{FF2B5EF4-FFF2-40B4-BE49-F238E27FC236}">
-                <a16:creationId xmlns:a16="http://schemas.microsoft.com/office/drawing/2014/main" id="{EFECD4E8-AD3E-4228-82A2-9461958EA94D}"/>
-              </a:ext>
-              <a:ext uri="{C183D7F6-B498-43B3-948B-1728B52AA6E4}">
-                <adec:decorative xmlns:adec="http://schemas.microsoft.com/office/drawing/2017/decorative" val="1"/>
-              </a:ext>
-            </a:extLst>
-          </p:cNvPr>
-          <p:cNvCxnSpPr>
-            <a:cxnSpLocks noGrp="1" noRot="1" noChangeAspect="1" noMove="1" noResize="1" noEditPoints="1" noAdjustHandles="1" noChangeArrowheads="1" noChangeShapeType="1"/>
-          </p:cNvCxnSpPr>
-          <p:nvPr>
-            <p:extLst>
-              <p:ext uri="{386F3935-93C4-4BCD-93E2-E3B085C9AB24}">
-                <p16:designElem xmlns:p16="http://schemas.microsoft.com/office/powerpoint/2015/main" val="1"/>
-              </p:ext>
-            </p:extLst>
-          </p:nvPr>
-        </p:nvCxnSpPr>
-        <p:spPr>
-          <a:xfrm flipH="1">
-            <a:off x="3290979" y="3681413"/>
-            <a:ext cx="4763558" cy="3176587"/>
-          </a:xfrm>
-          <a:prstGeom prst="line">
-            <a:avLst/>
-          </a:prstGeom>
-          <a:ln w="9525">
-            <a:solidFill>
-              <a:schemeClr val="tx1">
-                <a:lumMod val="50000"/>
-                <a:lumOff val="50000"/>
-                <a:alpha val="80000"/>
-              </a:schemeClr>
-            </a:solidFill>
-          </a:ln>
-        </p:spPr>
-        <p:style>
-          <a:lnRef idx="2">
-            <a:schemeClr val="accent1"/>
-          </a:lnRef>
-          <a:fillRef idx="0">
-            <a:schemeClr val="accent1"/>
-          </a:fillRef>
-          <a:effectRef idx="1">
-            <a:schemeClr val="accent1"/>
-          </a:effectRef>
-          <a:fontRef idx="minor">
-            <a:schemeClr val="tx1"/>
-          </a:fontRef>
-        </p:style>
-      </p:cxnSp>
-      <p:sp>
-        <p:nvSpPr>
-          <p:cNvPr id="56" name="Rectangle 23">
-            <a:extLst>
-              <a:ext uri="{FF2B5EF4-FFF2-40B4-BE49-F238E27FC236}">
-                <a16:creationId xmlns:a16="http://schemas.microsoft.com/office/drawing/2014/main" id="{7E018740-5C2B-4A41-AC1A-7E68D1EC1954}"/>
+                <a16:creationId xmlns:a16="http://schemas.microsoft.com/office/drawing/2014/main" id="{62423CA5-E2E1-4789-B759-9906C1C94063}"/>
               </a:ext>
               <a:ext uri="{C183D7F6-B498-43B3-948B-1728B52AA6E4}">
                 <adec:decorative xmlns:adec="http://schemas.microsoft.com/office/drawing/2017/decorative" val="1"/>
@@ -34640,40 +34482,14 @@
         </p:nvSpPr>
         <p:spPr>
           <a:xfrm>
-            <a:off x="4482568" y="-8467"/>
-            <a:ext cx="3007349" cy="6866467"/>
+            <a:off x="0" y="-3"/>
+            <a:ext cx="4660126" cy="6858000"/>
           </a:xfrm>
-          <a:custGeom>
+          <a:prstGeom prst="rect">
             <a:avLst/>
-            <a:gdLst/>
-            <a:ahLst/>
-            <a:cxnLst/>
-            <a:rect l="l" t="t" r="r" b="b"/>
-            <a:pathLst>
-              <a:path w="3007349" h="6866467">
-                <a:moveTo>
-                  <a:pt x="2045532" y="0"/>
-                </a:moveTo>
-                <a:lnTo>
-                  <a:pt x="3007349" y="0"/>
-                </a:lnTo>
-                <a:lnTo>
-                  <a:pt x="3007349" y="6866467"/>
-                </a:lnTo>
-                <a:lnTo>
-                  <a:pt x="0" y="6866467"/>
-                </a:lnTo>
-                <a:lnTo>
-                  <a:pt x="2045532" y="0"/>
-                </a:lnTo>
-                <a:close/>
-              </a:path>
-            </a:pathLst>
-          </a:custGeom>
+          </a:prstGeom>
           <a:solidFill>
-            <a:schemeClr val="accent1">
-              <a:alpha val="30000"/>
-            </a:schemeClr>
+            <a:schemeClr val="tx2"/>
           </a:solidFill>
           <a:ln>
             <a:noFill/>
@@ -34694,13 +34510,20 @@
             <a:schemeClr val="lt1"/>
           </a:fontRef>
         </p:style>
+        <p:txBody>
+          <a:bodyPr/>
+          <a:lstStyle/>
+          <a:p>
+            <a:endParaRPr lang="en-US"/>
+          </a:p>
+        </p:txBody>
       </p:sp>
       <p:sp>
         <p:nvSpPr>
-          <p:cNvPr id="58" name="Rectangle 25">
+          <p:cNvPr id="75" name="Isosceles Triangle 74">
             <a:extLst>
               <a:ext uri="{FF2B5EF4-FFF2-40B4-BE49-F238E27FC236}">
-                <a16:creationId xmlns:a16="http://schemas.microsoft.com/office/drawing/2014/main" id="{166F75A4-C475-4941-8EE2-B80A06A2C1BB}"/>
+                <a16:creationId xmlns:a16="http://schemas.microsoft.com/office/drawing/2014/main" id="{73772B81-181F-48B7-8826-4D9686D15DF5}"/>
               </a:ext>
               <a:ext uri="{C183D7F6-B498-43B3-948B-1728B52AA6E4}">
                 <adec:decorative xmlns:adec="http://schemas.microsoft.com/office/drawing/2017/decorative" val="1"/>
@@ -34719,41 +34542,17 @@
           </p:nvPr>
         </p:nvSpPr>
         <p:spPr>
-          <a:xfrm>
-            <a:off x="4904534" y="-8467"/>
-            <a:ext cx="2588558" cy="6866467"/>
+          <a:xfrm rot="10800000">
+            <a:off x="4660127" y="-3"/>
+            <a:ext cx="1056745" cy="6858001"/>
           </a:xfrm>
-          <a:custGeom>
-            <a:avLst/>
-            <a:gdLst/>
-            <a:ahLst/>
-            <a:cxnLst/>
-            <a:rect l="l" t="t" r="r" b="b"/>
-            <a:pathLst>
-              <a:path w="2573311" h="6866467">
-                <a:moveTo>
-                  <a:pt x="0" y="0"/>
-                </a:moveTo>
-                <a:lnTo>
-                  <a:pt x="2573311" y="0"/>
-                </a:lnTo>
-                <a:lnTo>
-                  <a:pt x="2573311" y="6866467"/>
-                </a:lnTo>
-                <a:lnTo>
-                  <a:pt x="1202336" y="6866467"/>
-                </a:lnTo>
-                <a:lnTo>
-                  <a:pt x="0" y="0"/>
-                </a:lnTo>
-                <a:close/>
-              </a:path>
-            </a:pathLst>
-          </a:custGeom>
+          <a:prstGeom prst="triangle">
+            <a:avLst>
+              <a:gd name="adj" fmla="val 100000"/>
+            </a:avLst>
+          </a:prstGeom>
           <a:solidFill>
-            <a:schemeClr val="accent1">
-              <a:alpha val="20000"/>
-            </a:schemeClr>
+            <a:schemeClr val="tx2"/>
           </a:solidFill>
           <a:ln>
             <a:noFill/>
@@ -34774,335 +34573,11 @@
             <a:schemeClr val="lt1"/>
           </a:fontRef>
         </p:style>
-      </p:sp>
-      <p:sp>
-        <p:nvSpPr>
-          <p:cNvPr id="60" name="Isosceles Triangle 59">
-            <a:extLst>
-              <a:ext uri="{FF2B5EF4-FFF2-40B4-BE49-F238E27FC236}">
-                <a16:creationId xmlns:a16="http://schemas.microsoft.com/office/drawing/2014/main" id="{A032553A-72E8-4B0D-8405-FF9771C9AF05}"/>
-              </a:ext>
-              <a:ext uri="{C183D7F6-B498-43B3-948B-1728B52AA6E4}">
-                <adec:decorative xmlns:adec="http://schemas.microsoft.com/office/drawing/2017/decorative" val="1"/>
-              </a:ext>
-            </a:extLst>
-          </p:cNvPr>
-          <p:cNvSpPr>
-            <a:spLocks noGrp="1" noRot="1" noChangeAspect="1" noMove="1" noResize="1" noEditPoints="1" noAdjustHandles="1" noChangeArrowheads="1" noChangeShapeType="1" noTextEdit="1"/>
-          </p:cNvSpPr>
-          <p:nvPr>
-            <p:extLst>
-              <p:ext uri="{386F3935-93C4-4BCD-93E2-E3B085C9AB24}">
-                <p16:designElem xmlns:p16="http://schemas.microsoft.com/office/powerpoint/2015/main" val="1"/>
-              </p:ext>
-            </p:extLst>
-          </p:nvPr>
-        </p:nvSpPr>
-        <p:spPr>
-          <a:xfrm>
-            <a:off x="4233425" y="3048000"/>
-            <a:ext cx="3259667" cy="3810000"/>
-          </a:xfrm>
-          <a:prstGeom prst="triangle">
-            <a:avLst>
-              <a:gd name="adj" fmla="val 100000"/>
-            </a:avLst>
-          </a:prstGeom>
-          <a:solidFill>
-            <a:schemeClr val="accent2">
-              <a:alpha val="72000"/>
-            </a:schemeClr>
-          </a:solidFill>
-          <a:ln>
-            <a:noFill/>
-          </a:ln>
-          <a:effectLst/>
-        </p:spPr>
-        <p:style>
-          <a:lnRef idx="1">
-            <a:schemeClr val="accent1"/>
-          </a:lnRef>
-          <a:fillRef idx="3">
-            <a:schemeClr val="accent1"/>
-          </a:fillRef>
-          <a:effectRef idx="2">
-            <a:schemeClr val="accent1"/>
-          </a:effectRef>
-          <a:fontRef idx="minor">
-            <a:schemeClr val="lt1"/>
-          </a:fontRef>
-        </p:style>
-      </p:sp>
-      <p:sp>
-        <p:nvSpPr>
-          <p:cNvPr id="62" name="Rectangle 27">
-            <a:extLst>
-              <a:ext uri="{FF2B5EF4-FFF2-40B4-BE49-F238E27FC236}">
-                <a16:creationId xmlns:a16="http://schemas.microsoft.com/office/drawing/2014/main" id="{765800AC-C3B9-498E-87BC-29FAE4C76B21}"/>
-              </a:ext>
-              <a:ext uri="{C183D7F6-B498-43B3-948B-1728B52AA6E4}">
-                <adec:decorative xmlns:adec="http://schemas.microsoft.com/office/drawing/2017/decorative" val="1"/>
-              </a:ext>
-            </a:extLst>
-          </p:cNvPr>
-          <p:cNvSpPr>
-            <a:spLocks noGrp="1" noRot="1" noChangeAspect="1" noMove="1" noResize="1" noEditPoints="1" noAdjustHandles="1" noChangeArrowheads="1" noChangeShapeType="1" noTextEdit="1"/>
-          </p:cNvSpPr>
-          <p:nvPr>
-            <p:extLst>
-              <p:ext uri="{386F3935-93C4-4BCD-93E2-E3B085C9AB24}">
-                <p16:designElem xmlns:p16="http://schemas.microsoft.com/office/powerpoint/2015/main" val="1"/>
-              </p:ext>
-            </p:extLst>
-          </p:nvPr>
-        </p:nvSpPr>
-        <p:spPr>
-          <a:xfrm>
-            <a:off x="4635592" y="-8467"/>
-            <a:ext cx="2854326" cy="6866467"/>
-          </a:xfrm>
-          <a:custGeom>
-            <a:avLst/>
-            <a:gdLst/>
-            <a:ahLst/>
-            <a:cxnLst/>
-            <a:rect l="l" t="t" r="r" b="b"/>
-            <a:pathLst>
-              <a:path w="2858013" h="6866467">
-                <a:moveTo>
-                  <a:pt x="0" y="0"/>
-                </a:moveTo>
-                <a:lnTo>
-                  <a:pt x="2858013" y="0"/>
-                </a:lnTo>
-                <a:lnTo>
-                  <a:pt x="2858013" y="6866467"/>
-                </a:lnTo>
-                <a:lnTo>
-                  <a:pt x="2473942" y="6866467"/>
-                </a:lnTo>
-                <a:lnTo>
-                  <a:pt x="0" y="0"/>
-                </a:lnTo>
-                <a:close/>
-              </a:path>
-            </a:pathLst>
-          </a:custGeom>
-          <a:solidFill>
-            <a:schemeClr val="accent2">
-              <a:lumMod val="75000"/>
-              <a:alpha val="70000"/>
-            </a:schemeClr>
-          </a:solidFill>
-          <a:ln>
-            <a:noFill/>
-          </a:ln>
-          <a:effectLst/>
-        </p:spPr>
-        <p:style>
-          <a:lnRef idx="1">
-            <a:schemeClr val="accent1"/>
-          </a:lnRef>
-          <a:fillRef idx="3">
-            <a:schemeClr val="accent1"/>
-          </a:fillRef>
-          <a:effectRef idx="2">
-            <a:schemeClr val="accent1"/>
-          </a:effectRef>
-          <a:fontRef idx="minor">
-            <a:schemeClr val="lt1"/>
-          </a:fontRef>
-        </p:style>
-      </p:sp>
-      <p:sp>
-        <p:nvSpPr>
-          <p:cNvPr id="64" name="Isosceles Triangle 63">
-            <a:extLst>
-              <a:ext uri="{FF2B5EF4-FFF2-40B4-BE49-F238E27FC236}">
-                <a16:creationId xmlns:a16="http://schemas.microsoft.com/office/drawing/2014/main" id="{1F9D6ACB-2FF4-49F9-978A-E0D5327FC635}"/>
-              </a:ext>
-              <a:ext uri="{C183D7F6-B498-43B3-948B-1728B52AA6E4}">
-                <adec:decorative xmlns:adec="http://schemas.microsoft.com/office/drawing/2017/decorative" val="1"/>
-              </a:ext>
-            </a:extLst>
-          </p:cNvPr>
-          <p:cNvSpPr>
-            <a:spLocks noGrp="1" noRot="1" noChangeAspect="1" noMove="1" noResize="1" noEditPoints="1" noAdjustHandles="1" noChangeArrowheads="1" noChangeShapeType="1" noTextEdit="1"/>
-          </p:cNvSpPr>
-          <p:nvPr>
-            <p:extLst>
-              <p:ext uri="{386F3935-93C4-4BCD-93E2-E3B085C9AB24}">
-                <p16:designElem xmlns:p16="http://schemas.microsoft.com/office/powerpoint/2015/main" val="1"/>
-              </p:ext>
-            </p:extLst>
-          </p:nvPr>
-        </p:nvSpPr>
-        <p:spPr>
-          <a:xfrm>
-            <a:off x="5672758" y="3589867"/>
-            <a:ext cx="1817159" cy="3268133"/>
-          </a:xfrm>
-          <a:prstGeom prst="triangle">
-            <a:avLst>
-              <a:gd name="adj" fmla="val 100000"/>
-            </a:avLst>
-          </a:prstGeom>
-          <a:solidFill>
-            <a:schemeClr val="accent1">
-              <a:alpha val="80000"/>
-            </a:schemeClr>
-          </a:solidFill>
-          <a:ln>
-            <a:noFill/>
-          </a:ln>
-          <a:effectLst/>
-        </p:spPr>
-        <p:style>
-          <a:lnRef idx="1">
-            <a:schemeClr val="accent1"/>
-          </a:lnRef>
-          <a:fillRef idx="3">
-            <a:schemeClr val="accent1"/>
-          </a:fillRef>
-          <a:effectRef idx="2">
-            <a:schemeClr val="accent1"/>
-          </a:effectRef>
-          <a:fontRef idx="minor">
-            <a:schemeClr val="lt1"/>
-          </a:fontRef>
-        </p:style>
-      </p:sp>
-      <p:sp>
-        <p:nvSpPr>
-          <p:cNvPr id="66" name="Freeform: Shape 65">
-            <a:extLst>
-              <a:ext uri="{FF2B5EF4-FFF2-40B4-BE49-F238E27FC236}">
-                <a16:creationId xmlns:a16="http://schemas.microsoft.com/office/drawing/2014/main" id="{A5EC319D-0FEA-4B95-A3EA-01E35672C95B}"/>
-              </a:ext>
-              <a:ext uri="{C183D7F6-B498-43B3-948B-1728B52AA6E4}">
-                <adec:decorative xmlns:adec="http://schemas.microsoft.com/office/drawing/2017/decorative" val="1"/>
-              </a:ext>
-            </a:extLst>
-          </p:cNvPr>
-          <p:cNvSpPr>
-            <a:spLocks noGrp="1" noRot="1" noChangeAspect="1" noMove="1" noResize="1" noEditPoints="1" noAdjustHandles="1" noChangeArrowheads="1" noChangeShapeType="1" noTextEdit="1"/>
-          </p:cNvSpPr>
-          <p:nvPr>
-            <p:extLst>
-              <p:ext uri="{386F3935-93C4-4BCD-93E2-E3B085C9AB24}">
-                <p16:designElem xmlns:p16="http://schemas.microsoft.com/office/powerpoint/2015/main" val="1"/>
-              </p:ext>
-            </p:extLst>
-          </p:nvPr>
-        </p:nvSpPr>
-        <p:spPr>
-          <a:xfrm>
-            <a:off x="6197631" y="-8467"/>
-            <a:ext cx="5994369" cy="6866467"/>
-          </a:xfrm>
-          <a:custGeom>
-            <a:avLst/>
-            <a:gdLst>
-              <a:gd name="connsiteX0" fmla="*/ 0 w 5994369"/>
-              <a:gd name="connsiteY0" fmla="*/ 0 h 6866467"/>
-              <a:gd name="connsiteX1" fmla="*/ 1249825 w 5994369"/>
-              <a:gd name="connsiteY1" fmla="*/ 0 h 6866467"/>
-              <a:gd name="connsiteX2" fmla="*/ 1249825 w 5994369"/>
-              <a:gd name="connsiteY2" fmla="*/ 8467 h 6866467"/>
-              <a:gd name="connsiteX3" fmla="*/ 5994369 w 5994369"/>
-              <a:gd name="connsiteY3" fmla="*/ 8467 h 6866467"/>
-              <a:gd name="connsiteX4" fmla="*/ 5994369 w 5994369"/>
-              <a:gd name="connsiteY4" fmla="*/ 6866467 h 6866467"/>
-              <a:gd name="connsiteX5" fmla="*/ 1249825 w 5994369"/>
-              <a:gd name="connsiteY5" fmla="*/ 6866467 h 6866467"/>
-              <a:gd name="connsiteX6" fmla="*/ 1109382 w 5994369"/>
-              <a:gd name="connsiteY6" fmla="*/ 6866467 h 6866467"/>
-            </a:gdLst>
-            <a:ahLst/>
-            <a:cxnLst>
-              <a:cxn ang="0">
-                <a:pos x="connsiteX0" y="connsiteY0"/>
-              </a:cxn>
-              <a:cxn ang="0">
-                <a:pos x="connsiteX1" y="connsiteY1"/>
-              </a:cxn>
-              <a:cxn ang="0">
-                <a:pos x="connsiteX2" y="connsiteY2"/>
-              </a:cxn>
-              <a:cxn ang="0">
-                <a:pos x="connsiteX3" y="connsiteY3"/>
-              </a:cxn>
-              <a:cxn ang="0">
-                <a:pos x="connsiteX4" y="connsiteY4"/>
-              </a:cxn>
-              <a:cxn ang="0">
-                <a:pos x="connsiteX5" y="connsiteY5"/>
-              </a:cxn>
-              <a:cxn ang="0">
-                <a:pos x="connsiteX6" y="connsiteY6"/>
-              </a:cxn>
-            </a:cxnLst>
-            <a:rect l="l" t="t" r="r" b="b"/>
-            <a:pathLst>
-              <a:path w="5994369" h="6866467">
-                <a:moveTo>
-                  <a:pt x="0" y="0"/>
-                </a:moveTo>
-                <a:lnTo>
-                  <a:pt x="1249825" y="0"/>
-                </a:lnTo>
-                <a:lnTo>
-                  <a:pt x="1249825" y="8467"/>
-                </a:lnTo>
-                <a:lnTo>
-                  <a:pt x="5994369" y="8467"/>
-                </a:lnTo>
-                <a:lnTo>
-                  <a:pt x="5994369" y="6866467"/>
-                </a:lnTo>
-                <a:lnTo>
-                  <a:pt x="1249825" y="6866467"/>
-                </a:lnTo>
-                <a:lnTo>
-                  <a:pt x="1109382" y="6866467"/>
-                </a:lnTo>
-                <a:close/>
-              </a:path>
-            </a:pathLst>
-          </a:custGeom>
-          <a:solidFill>
-            <a:schemeClr val="accent2">
-              <a:lumMod val="75000"/>
-            </a:schemeClr>
-          </a:solidFill>
-          <a:ln>
-            <a:noFill/>
-          </a:ln>
-        </p:spPr>
-        <p:style>
-          <a:lnRef idx="2">
-            <a:schemeClr val="accent1">
-              <a:shade val="50000"/>
-            </a:schemeClr>
-          </a:lnRef>
-          <a:fillRef idx="1">
-            <a:schemeClr val="accent1"/>
-          </a:fillRef>
-          <a:effectRef idx="0">
-            <a:schemeClr val="accent1"/>
-          </a:effectRef>
-          <a:fontRef idx="minor">
-            <a:schemeClr val="lt1"/>
-          </a:fontRef>
-        </p:style>
         <p:txBody>
-          <a:bodyPr wrap="square" rtlCol="0" anchor="ctr">
-            <a:noAutofit/>
-          </a:bodyPr>
+          <a:bodyPr/>
           <a:lstStyle/>
           <a:p>
-            <a:pPr algn="ctr"/>
-            <a:endParaRPr lang="en-US"/>
+            <a:endParaRPr lang="en-US" dirty="0"/>
           </a:p>
         </p:txBody>
       </p:sp>
@@ -35124,8 +34599,8 @@
         </p:nvSpPr>
         <p:spPr>
           <a:xfrm>
-            <a:off x="7181723" y="609600"/>
-            <a:ext cx="4512989" cy="2227730"/>
+            <a:off x="673754" y="643467"/>
+            <a:ext cx="4203045" cy="1375608"/>
           </a:xfrm>
         </p:spPr>
         <p:txBody>
@@ -35134,13 +34609,109 @@
           </a:bodyPr>
           <a:lstStyle/>
           <a:p>
+            <a:pPr>
+              <a:lnSpc>
+                <a:spcPct val="90000"/>
+              </a:lnSpc>
+            </a:pPr>
+            <a:r>
+              <a:rPr lang="en-US" sz="3100">
+                <a:solidFill>
+                  <a:schemeClr val="bg1"/>
+                </a:solidFill>
+              </a:rPr>
+              <a:t>Confusion Matrix for Cardiovascular Disease</a:t>
+            </a:r>
+          </a:p>
+        </p:txBody>
+      </p:sp>
+      <p:sp>
+        <p:nvSpPr>
+          <p:cNvPr id="3" name="TextBox 2">
+            <a:extLst>
+              <a:ext uri="{FF2B5EF4-FFF2-40B4-BE49-F238E27FC236}">
+                <a16:creationId xmlns:a16="http://schemas.microsoft.com/office/drawing/2014/main" id="{6189BAE0-E9D0-4294-BF85-C07B27CA79E9}"/>
+              </a:ext>
+            </a:extLst>
+          </p:cNvPr>
+          <p:cNvSpPr txBox="1"/>
+          <p:nvPr/>
+        </p:nvSpPr>
+        <p:spPr>
+          <a:xfrm>
+            <a:off x="673754" y="2160590"/>
+            <a:ext cx="3973943" cy="3440110"/>
+          </a:xfrm>
+          <a:prstGeom prst="rect">
+            <a:avLst/>
+          </a:prstGeom>
+        </p:spPr>
+        <p:txBody>
+          <a:bodyPr vert="horz" lIns="91440" tIns="45720" rIns="91440" bIns="45720" rtlCol="0">
+            <a:normAutofit/>
+          </a:bodyPr>
+          <a:lstStyle/>
+          <a:p>
+            <a:pPr marL="285750" indent="-285750">
+              <a:spcBef>
+                <a:spcPts val="1000"/>
+              </a:spcBef>
+              <a:buClr>
+                <a:schemeClr val="accent1"/>
+              </a:buClr>
+              <a:buSzPct val="80000"/>
+              <a:buFont typeface="Wingdings 3" charset="2"/>
+              <a:buChar char=""/>
+            </a:pPr>
             <a:r>
               <a:rPr lang="en-US">
                 <a:solidFill>
-                  <a:srgbClr val="FFFFFF"/>
+                  <a:schemeClr val="bg1"/>
                 </a:solidFill>
               </a:rPr>
-              <a:t>Confusion Matrix for Cardiovascular Disease</a:t>
+              <a:t>Better able to predict True Negatives</a:t>
+            </a:r>
+          </a:p>
+          <a:p>
+            <a:pPr marL="285750" indent="-285750">
+              <a:spcBef>
+                <a:spcPts val="1000"/>
+              </a:spcBef>
+              <a:buClr>
+                <a:schemeClr val="accent1"/>
+              </a:buClr>
+              <a:buSzPct val="80000"/>
+              <a:buFont typeface="Wingdings 3" charset="2"/>
+              <a:buChar char=""/>
+            </a:pPr>
+            <a:r>
+              <a:rPr lang="en-US">
+                <a:solidFill>
+                  <a:schemeClr val="bg1"/>
+                </a:solidFill>
+              </a:rPr>
+              <a:t>Will be helpful in specifying the people with no Heart Conditions</a:t>
+            </a:r>
+          </a:p>
+          <a:p>
+            <a:pPr marL="285750" indent="-285750">
+              <a:spcBef>
+                <a:spcPts val="1000"/>
+              </a:spcBef>
+              <a:buClr>
+                <a:schemeClr val="accent1"/>
+              </a:buClr>
+              <a:buSzPct val="80000"/>
+              <a:buFont typeface="Wingdings 3" charset="2"/>
+              <a:buChar char=""/>
+            </a:pPr>
+            <a:r>
+              <a:rPr lang="en-US">
+                <a:solidFill>
+                  <a:schemeClr val="bg1"/>
+                </a:solidFill>
+              </a:rPr>
+              <a:t>Will be able to make better Healthcare plans for the members</a:t>
             </a:r>
           </a:p>
         </p:txBody>
@@ -35169,8 +34740,8 @@
         </p:blipFill>
         <p:spPr>
           <a:xfrm>
-            <a:off x="95962" y="851918"/>
-            <a:ext cx="4709718" cy="4350002"/>
+            <a:off x="6096001" y="1474642"/>
+            <a:ext cx="5143500" cy="3896201"/>
           </a:xfrm>
           <a:prstGeom prst="rect">
             <a:avLst/>
@@ -35179,97 +34750,66 @@
       </p:pic>
       <p:sp>
         <p:nvSpPr>
-          <p:cNvPr id="3" name="TextBox 2">
+          <p:cNvPr id="77" name="Isosceles Triangle 76">
             <a:extLst>
               <a:ext uri="{FF2B5EF4-FFF2-40B4-BE49-F238E27FC236}">
-                <a16:creationId xmlns:a16="http://schemas.microsoft.com/office/drawing/2014/main" id="{6189BAE0-E9D0-4294-BF85-C07B27CA79E9}"/>
+                <a16:creationId xmlns:a16="http://schemas.microsoft.com/office/drawing/2014/main" id="{B2205F6E-03C6-4E92-877C-E2482F6599AA}"/>
+              </a:ext>
+              <a:ext uri="{C183D7F6-B498-43B3-948B-1728B52AA6E4}">
+                <adec:decorative xmlns:adec="http://schemas.microsoft.com/office/drawing/2017/decorative" val="1"/>
               </a:ext>
             </a:extLst>
           </p:cNvPr>
-          <p:cNvSpPr txBox="1"/>
-          <p:nvPr/>
+          <p:cNvSpPr>
+            <a:spLocks noGrp="1" noRot="1" noChangeAspect="1" noMove="1" noResize="1" noEditPoints="1" noAdjustHandles="1" noChangeArrowheads="1" noChangeShapeType="1" noTextEdit="1"/>
+          </p:cNvSpPr>
+          <p:nvPr>
+            <p:extLst>
+              <p:ext uri="{386F3935-93C4-4BCD-93E2-E3B085C9AB24}">
+                <p16:designElem xmlns:p16="http://schemas.microsoft.com/office/powerpoint/2015/main" val="1"/>
+              </p:ext>
+            </p:extLst>
+          </p:nvPr>
         </p:nvSpPr>
         <p:spPr>
-          <a:xfrm>
-            <a:off x="7181725" y="2837329"/>
-            <a:ext cx="4512988" cy="3317938"/>
+          <a:xfrm flipH="1">
+            <a:off x="11755696" y="4013200"/>
+            <a:ext cx="448733" cy="2844800"/>
           </a:xfrm>
-          <a:prstGeom prst="rect">
-            <a:avLst/>
+          <a:prstGeom prst="triangle">
+            <a:avLst>
+              <a:gd name="adj" fmla="val 0"/>
+            </a:avLst>
           </a:prstGeom>
+          <a:solidFill>
+            <a:schemeClr val="accent1">
+              <a:alpha val="85000"/>
+            </a:schemeClr>
+          </a:solidFill>
+          <a:ln>
+            <a:noFill/>
+          </a:ln>
+          <a:effectLst/>
         </p:spPr>
+        <p:style>
+          <a:lnRef idx="1">
+            <a:schemeClr val="accent1"/>
+          </a:lnRef>
+          <a:fillRef idx="3">
+            <a:schemeClr val="accent1"/>
+          </a:fillRef>
+          <a:effectRef idx="2">
+            <a:schemeClr val="accent1"/>
+          </a:effectRef>
+          <a:fontRef idx="minor">
+            <a:schemeClr val="lt1"/>
+          </a:fontRef>
+        </p:style>
         <p:txBody>
-          <a:bodyPr vert="horz" lIns="91440" tIns="45720" rIns="91440" bIns="45720" rtlCol="0" anchor="t">
-            <a:normAutofit/>
-          </a:bodyPr>
+          <a:bodyPr/>
           <a:lstStyle/>
           <a:p>
-            <a:pPr marL="285750" indent="-285750">
-              <a:spcBef>
-                <a:spcPts val="1000"/>
-              </a:spcBef>
-              <a:buClr>
-                <a:schemeClr val="accent1"/>
-              </a:buClr>
-              <a:buSzPct val="80000"/>
-              <a:buFont typeface="Wingdings 3" charset="2"/>
-              <a:buChar char=""/>
-            </a:pPr>
-            <a:r>
-              <a:rPr lang="en-US">
-                <a:solidFill>
-                  <a:srgbClr val="FFFFFF"/>
-                </a:solidFill>
-              </a:rPr>
-              <a:t>Better able to predict True Negatives</a:t>
-            </a:r>
-          </a:p>
-          <a:p>
-            <a:pPr marL="285750" indent="-285750">
-              <a:spcBef>
-                <a:spcPts val="1000"/>
-              </a:spcBef>
-              <a:buClr>
-                <a:schemeClr val="accent1"/>
-              </a:buClr>
-              <a:buSzPct val="80000"/>
-              <a:buFont typeface="Wingdings 3" charset="2"/>
-              <a:buChar char=""/>
-            </a:pPr>
-            <a:r>
-              <a:rPr lang="en-US">
-                <a:solidFill>
-                  <a:srgbClr val="FFFFFF"/>
-                </a:solidFill>
-              </a:rPr>
-              <a:t>Will be helpful in specifying the people with no Heart Conditions</a:t>
-            </a:r>
-          </a:p>
-          <a:p>
-            <a:pPr marL="285750" indent="-285750">
-              <a:spcBef>
-                <a:spcPts val="1000"/>
-              </a:spcBef>
-              <a:buClr>
-                <a:schemeClr val="accent1"/>
-              </a:buClr>
-              <a:buSzPct val="80000"/>
-              <a:buFont typeface="Wingdings 3" charset="2"/>
-              <a:buChar char=""/>
-            </a:pPr>
-            <a:r>
-              <a:rPr lang="en-US">
-                <a:solidFill>
-                  <a:srgbClr val="FFFFFF"/>
-                </a:solidFill>
-              </a:rPr>
-              <a:t>Will be able to make better Healthcare plans for the members</a:t>
-            </a:r>
-            <a:endParaRPr lang="en-US" dirty="0">
-              <a:solidFill>
-                <a:srgbClr val="FFFFFF"/>
-              </a:solidFill>
-            </a:endParaRPr>
+            <a:endParaRPr lang="en-US" dirty="0"/>
           </a:p>
         </p:txBody>
       </p:sp>
@@ -40256,7 +39796,7 @@
         </p:blipFill>
         <p:spPr>
           <a:xfrm>
-            <a:off x="1151116" y="391782"/>
+            <a:off x="1131210" y="391103"/>
             <a:ext cx="8027186" cy="4383418"/>
           </a:xfrm>
           <a:prstGeom prst="rect">
@@ -40264,8 +39804,8 @@
           </a:prstGeom>
         </p:spPr>
       </p:pic>
-      <mc:AlternateContent xmlns:mc="http://schemas.openxmlformats.org/markup-compatibility/2006">
-        <mc:Choice xmlns:p14="http://schemas.microsoft.com/office/powerpoint/2010/main" Requires="p14">
+      <mc:AlternateContent xmlns:mc="http://schemas.openxmlformats.org/markup-compatibility/2006" xmlns:p14="http://schemas.microsoft.com/office/powerpoint/2010/main">
+        <mc:Choice Requires="p14">
           <p:contentPart p14:bwMode="auto" r:id="rId3">
             <p14:nvContentPartPr>
               <p14:cNvPr id="26" name="Ink 25">
@@ -40284,7 +39824,7 @@
             </p14:xfrm>
           </p:contentPart>
         </mc:Choice>
-        <mc:Fallback>
+        <mc:Fallback xmlns="">
           <p:pic>
             <p:nvPicPr>
               <p:cNvPr id="26" name="Ink 25">
@@ -40315,8 +39855,8 @@
           </p:pic>
         </mc:Fallback>
       </mc:AlternateContent>
-      <mc:AlternateContent xmlns:mc="http://schemas.openxmlformats.org/markup-compatibility/2006">
-        <mc:Choice xmlns:p14="http://schemas.microsoft.com/office/powerpoint/2010/main" Requires="p14">
+      <mc:AlternateContent xmlns:mc="http://schemas.openxmlformats.org/markup-compatibility/2006" xmlns:p14="http://schemas.microsoft.com/office/powerpoint/2010/main">
+        <mc:Choice Requires="p14">
           <p:contentPart p14:bwMode="auto" r:id="rId5">
             <p14:nvContentPartPr>
               <p14:cNvPr id="27" name="Ink 26">
@@ -40335,7 +39875,7 @@
             </p14:xfrm>
           </p:contentPart>
         </mc:Choice>
-        <mc:Fallback>
+        <mc:Fallback xmlns="">
           <p:pic>
             <p:nvPicPr>
               <p:cNvPr id="27" name="Ink 26">
@@ -40366,8 +39906,8 @@
           </p:pic>
         </mc:Fallback>
       </mc:AlternateContent>
-      <mc:AlternateContent xmlns:mc="http://schemas.openxmlformats.org/markup-compatibility/2006">
-        <mc:Choice xmlns:p14="http://schemas.microsoft.com/office/powerpoint/2010/main" Requires="p14">
+      <mc:AlternateContent xmlns:mc="http://schemas.openxmlformats.org/markup-compatibility/2006" xmlns:p14="http://schemas.microsoft.com/office/powerpoint/2010/main">
+        <mc:Choice Requires="p14">
           <p:contentPart p14:bwMode="auto" r:id="rId7">
             <p14:nvContentPartPr>
               <p14:cNvPr id="28" name="Ink 27">
@@ -40386,7 +39926,7 @@
             </p14:xfrm>
           </p:contentPart>
         </mc:Choice>
-        <mc:Fallback>
+        <mc:Fallback xmlns="">
           <p:pic>
             <p:nvPicPr>
               <p:cNvPr id="28" name="Ink 27">
@@ -40417,8 +39957,8 @@
           </p:pic>
         </mc:Fallback>
       </mc:AlternateContent>
-      <mc:AlternateContent xmlns:mc="http://schemas.openxmlformats.org/markup-compatibility/2006">
-        <mc:Choice xmlns:p14="http://schemas.microsoft.com/office/powerpoint/2010/main" Requires="p14">
+      <mc:AlternateContent xmlns:mc="http://schemas.openxmlformats.org/markup-compatibility/2006" xmlns:p14="http://schemas.microsoft.com/office/powerpoint/2010/main">
+        <mc:Choice Requires="p14">
           <p:contentPart p14:bwMode="auto" r:id="rId9">
             <p14:nvContentPartPr>
               <p14:cNvPr id="29" name="Ink 28">
@@ -40437,7 +39977,7 @@
             </p14:xfrm>
           </p:contentPart>
         </mc:Choice>
-        <mc:Fallback>
+        <mc:Fallback xmlns="">
           <p:pic>
             <p:nvPicPr>
               <p:cNvPr id="29" name="Ink 28">
@@ -40468,8 +40008,8 @@
           </p:pic>
         </mc:Fallback>
       </mc:AlternateContent>
-      <mc:AlternateContent xmlns:mc="http://schemas.openxmlformats.org/markup-compatibility/2006">
-        <mc:Choice xmlns:p14="http://schemas.microsoft.com/office/powerpoint/2010/main" Requires="p14">
+      <mc:AlternateContent xmlns:mc="http://schemas.openxmlformats.org/markup-compatibility/2006" xmlns:p14="http://schemas.microsoft.com/office/powerpoint/2010/main">
+        <mc:Choice Requires="p14">
           <p:contentPart p14:bwMode="auto" r:id="rId11">
             <p14:nvContentPartPr>
               <p14:cNvPr id="30" name="Ink 29">
@@ -40488,7 +40028,7 @@
             </p14:xfrm>
           </p:contentPart>
         </mc:Choice>
-        <mc:Fallback>
+        <mc:Fallback xmlns="">
           <p:pic>
             <p:nvPicPr>
               <p:cNvPr id="30" name="Ink 29">
@@ -40519,8 +40059,8 @@
           </p:pic>
         </mc:Fallback>
       </mc:AlternateContent>
-      <mc:AlternateContent xmlns:mc="http://schemas.openxmlformats.org/markup-compatibility/2006">
-        <mc:Choice xmlns:p14="http://schemas.microsoft.com/office/powerpoint/2010/main" Requires="p14">
+      <mc:AlternateContent xmlns:mc="http://schemas.openxmlformats.org/markup-compatibility/2006" xmlns:p14="http://schemas.microsoft.com/office/powerpoint/2010/main">
+        <mc:Choice Requires="p14">
           <p:contentPart p14:bwMode="auto" r:id="rId13">
             <p14:nvContentPartPr>
               <p14:cNvPr id="31" name="Ink 30">
@@ -40539,7 +40079,7 @@
             </p14:xfrm>
           </p:contentPart>
         </mc:Choice>
-        <mc:Fallback>
+        <mc:Fallback xmlns="">
           <p:pic>
             <p:nvPicPr>
               <p:cNvPr id="31" name="Ink 30">
@@ -40570,8 +40110,8 @@
           </p:pic>
         </mc:Fallback>
       </mc:AlternateContent>
-      <mc:AlternateContent xmlns:mc="http://schemas.openxmlformats.org/markup-compatibility/2006">
-        <mc:Choice xmlns:p14="http://schemas.microsoft.com/office/powerpoint/2010/main" Requires="p14">
+      <mc:AlternateContent xmlns:mc="http://schemas.openxmlformats.org/markup-compatibility/2006" xmlns:p14="http://schemas.microsoft.com/office/powerpoint/2010/main">
+        <mc:Choice Requires="p14">
           <p:contentPart p14:bwMode="auto" r:id="rId15">
             <p14:nvContentPartPr>
               <p14:cNvPr id="32" name="Ink 31">
@@ -40590,7 +40130,7 @@
             </p14:xfrm>
           </p:contentPart>
         </mc:Choice>
-        <mc:Fallback>
+        <mc:Fallback xmlns="">
           <p:pic>
             <p:nvPicPr>
               <p:cNvPr id="32" name="Ink 31">
@@ -40621,8 +40161,8 @@
           </p:pic>
         </mc:Fallback>
       </mc:AlternateContent>
-      <mc:AlternateContent xmlns:mc="http://schemas.openxmlformats.org/markup-compatibility/2006">
-        <mc:Choice xmlns:p14="http://schemas.microsoft.com/office/powerpoint/2010/main" Requires="p14">
+      <mc:AlternateContent xmlns:mc="http://schemas.openxmlformats.org/markup-compatibility/2006" xmlns:p14="http://schemas.microsoft.com/office/powerpoint/2010/main">
+        <mc:Choice Requires="p14">
           <p:contentPart p14:bwMode="auto" r:id="rId17">
             <p14:nvContentPartPr>
               <p14:cNvPr id="33" name="Ink 32">
@@ -40641,7 +40181,7 @@
             </p14:xfrm>
           </p:contentPart>
         </mc:Choice>
-        <mc:Fallback>
+        <mc:Fallback xmlns="">
           <p:pic>
             <p:nvPicPr>
               <p:cNvPr id="33" name="Ink 32">
@@ -40672,8 +40212,8 @@
           </p:pic>
         </mc:Fallback>
       </mc:AlternateContent>
-      <mc:AlternateContent xmlns:mc="http://schemas.openxmlformats.org/markup-compatibility/2006">
-        <mc:Choice xmlns:p14="http://schemas.microsoft.com/office/powerpoint/2010/main" Requires="p14">
+      <mc:AlternateContent xmlns:mc="http://schemas.openxmlformats.org/markup-compatibility/2006" xmlns:p14="http://schemas.microsoft.com/office/powerpoint/2010/main">
+        <mc:Choice Requires="p14">
           <p:contentPart p14:bwMode="auto" r:id="rId19">
             <p14:nvContentPartPr>
               <p14:cNvPr id="34" name="Ink 33">
@@ -40692,7 +40232,7 @@
             </p14:xfrm>
           </p:contentPart>
         </mc:Choice>
-        <mc:Fallback>
+        <mc:Fallback xmlns="">
           <p:pic>
             <p:nvPicPr>
               <p:cNvPr id="34" name="Ink 33">
@@ -40723,8 +40263,8 @@
           </p:pic>
         </mc:Fallback>
       </mc:AlternateContent>
-      <mc:AlternateContent xmlns:mc="http://schemas.openxmlformats.org/markup-compatibility/2006">
-        <mc:Choice xmlns:p14="http://schemas.microsoft.com/office/powerpoint/2010/main" Requires="p14">
+      <mc:AlternateContent xmlns:mc="http://schemas.openxmlformats.org/markup-compatibility/2006" xmlns:p14="http://schemas.microsoft.com/office/powerpoint/2010/main">
+        <mc:Choice Requires="p14">
           <p:contentPart p14:bwMode="auto" r:id="rId21">
             <p14:nvContentPartPr>
               <p14:cNvPr id="35" name="Ink 34">
@@ -40743,7 +40283,7 @@
             </p14:xfrm>
           </p:contentPart>
         </mc:Choice>
-        <mc:Fallback>
+        <mc:Fallback xmlns="">
           <p:pic>
             <p:nvPicPr>
               <p:cNvPr id="35" name="Ink 34">
@@ -40774,8 +40314,8 @@
           </p:pic>
         </mc:Fallback>
       </mc:AlternateContent>
-      <mc:AlternateContent xmlns:mc="http://schemas.openxmlformats.org/markup-compatibility/2006">
-        <mc:Choice xmlns:p14="http://schemas.microsoft.com/office/powerpoint/2010/main" Requires="p14">
+      <mc:AlternateContent xmlns:mc="http://schemas.openxmlformats.org/markup-compatibility/2006" xmlns:p14="http://schemas.microsoft.com/office/powerpoint/2010/main">
+        <mc:Choice Requires="p14">
           <p:contentPart p14:bwMode="auto" r:id="rId23">
             <p14:nvContentPartPr>
               <p14:cNvPr id="45" name="Ink 44">
@@ -40794,7 +40334,7 @@
             </p14:xfrm>
           </p:contentPart>
         </mc:Choice>
-        <mc:Fallback>
+        <mc:Fallback xmlns="">
           <p:pic>
             <p:nvPicPr>
               <p:cNvPr id="45" name="Ink 44">
@@ -40845,8 +40385,8 @@
             <a:chExt cx="30960" cy="69840"/>
           </a:xfrm>
         </p:grpSpPr>
-        <mc:AlternateContent xmlns:mc="http://schemas.openxmlformats.org/markup-compatibility/2006">
-          <mc:Choice xmlns:p14="http://schemas.microsoft.com/office/powerpoint/2010/main" Requires="p14">
+        <mc:AlternateContent xmlns:mc="http://schemas.openxmlformats.org/markup-compatibility/2006" xmlns:p14="http://schemas.microsoft.com/office/powerpoint/2010/main">
+          <mc:Choice Requires="p14">
             <p:contentPart p14:bwMode="auto" r:id="rId25">
               <p14:nvContentPartPr>
                 <p14:cNvPr id="38" name="Ink 37">
@@ -40865,7 +40405,7 @@
               </p14:xfrm>
             </p:contentPart>
           </mc:Choice>
-          <mc:Fallback>
+          <mc:Fallback xmlns="">
             <p:pic>
               <p:nvPicPr>
                 <p:cNvPr id="38" name="Ink 37">
@@ -40896,8 +40436,8 @@
             </p:pic>
           </mc:Fallback>
         </mc:AlternateContent>
-        <mc:AlternateContent xmlns:mc="http://schemas.openxmlformats.org/markup-compatibility/2006">
-          <mc:Choice xmlns:p14="http://schemas.microsoft.com/office/powerpoint/2010/main" Requires="p14">
+        <mc:AlternateContent xmlns:mc="http://schemas.openxmlformats.org/markup-compatibility/2006" xmlns:p14="http://schemas.microsoft.com/office/powerpoint/2010/main">
+          <mc:Choice Requires="p14">
             <p:contentPart p14:bwMode="auto" r:id="rId27">
               <p14:nvContentPartPr>
                 <p14:cNvPr id="39" name="Ink 38">
@@ -40916,7 +40456,7 @@
               </p14:xfrm>
             </p:contentPart>
           </mc:Choice>
-          <mc:Fallback>
+          <mc:Fallback xmlns="">
             <p:pic>
               <p:nvPicPr>
                 <p:cNvPr id="39" name="Ink 38">
@@ -40947,8 +40487,8 @@
             </p:pic>
           </mc:Fallback>
         </mc:AlternateContent>
-        <mc:AlternateContent xmlns:mc="http://schemas.openxmlformats.org/markup-compatibility/2006">
-          <mc:Choice xmlns:p14="http://schemas.microsoft.com/office/powerpoint/2010/main" Requires="p14">
+        <mc:AlternateContent xmlns:mc="http://schemas.openxmlformats.org/markup-compatibility/2006" xmlns:p14="http://schemas.microsoft.com/office/powerpoint/2010/main">
+          <mc:Choice Requires="p14">
             <p:contentPart p14:bwMode="auto" r:id="rId28">
               <p14:nvContentPartPr>
                 <p14:cNvPr id="41" name="Ink 40">
@@ -40967,7 +40507,7 @@
               </p14:xfrm>
             </p:contentPart>
           </mc:Choice>
-          <mc:Fallback>
+          <mc:Fallback xmlns="">
             <p:pic>
               <p:nvPicPr>
                 <p:cNvPr id="41" name="Ink 40">
@@ -40998,8 +40538,8 @@
             </p:pic>
           </mc:Fallback>
         </mc:AlternateContent>
-        <mc:AlternateContent xmlns:mc="http://schemas.openxmlformats.org/markup-compatibility/2006">
-          <mc:Choice xmlns:p14="http://schemas.microsoft.com/office/powerpoint/2010/main" Requires="p14">
+        <mc:AlternateContent xmlns:mc="http://schemas.openxmlformats.org/markup-compatibility/2006" xmlns:p14="http://schemas.microsoft.com/office/powerpoint/2010/main">
+          <mc:Choice Requires="p14">
             <p:contentPart p14:bwMode="auto" r:id="rId29">
               <p14:nvContentPartPr>
                 <p14:cNvPr id="43" name="Ink 42">
@@ -41018,7 +40558,7 @@
               </p14:xfrm>
             </p:contentPart>
           </mc:Choice>
-          <mc:Fallback>
+          <mc:Fallback xmlns="">
             <p:pic>
               <p:nvPicPr>
                 <p:cNvPr id="43" name="Ink 42">
@@ -41049,8 +40589,8 @@
             </p:pic>
           </mc:Fallback>
         </mc:AlternateContent>
-        <mc:AlternateContent xmlns:mc="http://schemas.openxmlformats.org/markup-compatibility/2006">
-          <mc:Choice xmlns:p14="http://schemas.microsoft.com/office/powerpoint/2010/main" Requires="p14">
+        <mc:AlternateContent xmlns:mc="http://schemas.openxmlformats.org/markup-compatibility/2006" xmlns:p14="http://schemas.microsoft.com/office/powerpoint/2010/main">
+          <mc:Choice Requires="p14">
             <p:contentPart p14:bwMode="auto" r:id="rId31">
               <p14:nvContentPartPr>
                 <p14:cNvPr id="47" name="Ink 46">
@@ -41069,7 +40609,7 @@
               </p14:xfrm>
             </p:contentPart>
           </mc:Choice>
-          <mc:Fallback>
+          <mc:Fallback xmlns="">
             <p:pic>
               <p:nvPicPr>
                 <p:cNvPr id="47" name="Ink 46">
@@ -41101,6 +40641,46 @@
           </mc:Fallback>
         </mc:AlternateContent>
       </p:grpSp>
+      <p:sp>
+        <p:nvSpPr>
+          <p:cNvPr id="3" name="TextBox 2">
+            <a:extLst>
+              <a:ext uri="{FF2B5EF4-FFF2-40B4-BE49-F238E27FC236}">
+                <a16:creationId xmlns:a16="http://schemas.microsoft.com/office/drawing/2014/main" id="{B470CD8C-441C-4221-BE4E-FCE2D5867B2C}"/>
+              </a:ext>
+            </a:extLst>
+          </p:cNvPr>
+          <p:cNvSpPr txBox="1"/>
+          <p:nvPr/>
+        </p:nvSpPr>
+        <p:spPr>
+          <a:xfrm>
+            <a:off x="2138618" y="5602157"/>
+            <a:ext cx="5296515" cy="369332"/>
+          </a:xfrm>
+          <a:prstGeom prst="rect">
+            <a:avLst/>
+          </a:prstGeom>
+          <a:noFill/>
+          <a:ln>
+            <a:solidFill>
+              <a:schemeClr val="bg1"/>
+            </a:solidFill>
+          </a:ln>
+        </p:spPr>
+        <p:txBody>
+          <a:bodyPr wrap="none" rtlCol="0">
+            <a:spAutoFit/>
+          </a:bodyPr>
+          <a:lstStyle/>
+          <a:p>
+            <a:r>
+              <a:rPr lang="en-US" dirty="0"/>
+              <a:t>Data Value is the Point Estimate rate per 100,000</a:t>
+            </a:r>
+          </a:p>
+        </p:txBody>
+      </p:sp>
     </p:spTree>
     <p:extLst>
       <p:ext uri="{BB962C8B-B14F-4D97-AF65-F5344CB8AC3E}">
@@ -41882,11 +41462,11 @@
               </a:lnSpc>
             </a:pPr>
             <a:r>
-              <a:rPr lang="en-US" sz="4100"/>
+              <a:rPr lang="en-US" sz="4100" dirty="0" err="1"/>
               <a:t>Line</a:t>
             </a:r>
             <a:r>
-              <a:rPr lang="en-US" sz="4100" kern="1200">
+              <a:rPr lang="en-US" sz="4100" kern="1200" dirty="0" err="1">
                 <a:solidFill>
                   <a:schemeClr val="accent1"/>
                 </a:solidFill>
@@ -41894,16 +41474,19 @@
                 <a:ea typeface="+mj-ea"/>
                 <a:cs typeface="+mj-cs"/>
               </a:rPr>
-              <a:t>plot for Confidence Limits</a:t>
+              <a:t>plot</a:t>
             </a:r>
-            <a:endParaRPr lang="en-US" sz="4100" kern="1200" dirty="0">
-              <a:solidFill>
-                <a:schemeClr val="accent1"/>
-              </a:solidFill>
-              <a:latin typeface="+mj-lt"/>
-              <a:ea typeface="+mj-ea"/>
-              <a:cs typeface="+mj-cs"/>
-            </a:endParaRPr>
+            <a:r>
+              <a:rPr lang="en-US" sz="4100" kern="1200" dirty="0">
+                <a:solidFill>
+                  <a:schemeClr val="accent1"/>
+                </a:solidFill>
+                <a:latin typeface="+mj-lt"/>
+                <a:ea typeface="+mj-ea"/>
+                <a:cs typeface="+mj-cs"/>
+              </a:rPr>
+              <a:t> for Data Value and Year</a:t>
+            </a:r>
           </a:p>
         </p:txBody>
       </p:sp>
@@ -41957,8 +41540,8 @@
             <a:chExt cx="360" cy="51120"/>
           </a:xfrm>
         </p:grpSpPr>
-        <mc:AlternateContent xmlns:mc="http://schemas.openxmlformats.org/markup-compatibility/2006">
-          <mc:Choice xmlns:p14="http://schemas.microsoft.com/office/powerpoint/2010/main" Requires="p14">
+        <mc:AlternateContent xmlns:mc="http://schemas.openxmlformats.org/markup-compatibility/2006" xmlns:p14="http://schemas.microsoft.com/office/powerpoint/2010/main">
+          <mc:Choice Requires="p14">
             <p:contentPart p14:bwMode="auto" r:id="rId3">
               <p14:nvContentPartPr>
                 <p14:cNvPr id="8" name="Ink 7">
@@ -41977,7 +41560,7 @@
               </p14:xfrm>
             </p:contentPart>
           </mc:Choice>
-          <mc:Fallback>
+          <mc:Fallback xmlns="">
             <p:pic>
               <p:nvPicPr>
                 <p:cNvPr id="8" name="Ink 7">
@@ -42008,8 +41591,8 @@
             </p:pic>
           </mc:Fallback>
         </mc:AlternateContent>
-        <mc:AlternateContent xmlns:mc="http://schemas.openxmlformats.org/markup-compatibility/2006">
-          <mc:Choice xmlns:p14="http://schemas.microsoft.com/office/powerpoint/2010/main" Requires="p14">
+        <mc:AlternateContent xmlns:mc="http://schemas.openxmlformats.org/markup-compatibility/2006" xmlns:p14="http://schemas.microsoft.com/office/powerpoint/2010/main">
+          <mc:Choice Requires="p14">
             <p:contentPart p14:bwMode="auto" r:id="rId5">
               <p14:nvContentPartPr>
                 <p14:cNvPr id="20" name="Ink 19">
@@ -42028,7 +41611,7 @@
               </p14:xfrm>
             </p:contentPart>
           </mc:Choice>
-          <mc:Fallback>
+          <mc:Fallback xmlns="">
             <p:pic>
               <p:nvPicPr>
                 <p:cNvPr id="20" name="Ink 19">
@@ -42080,8 +41663,8 @@
             <a:chExt cx="360" cy="60840"/>
           </a:xfrm>
         </p:grpSpPr>
-        <mc:AlternateContent xmlns:mc="http://schemas.openxmlformats.org/markup-compatibility/2006">
-          <mc:Choice xmlns:p14="http://schemas.microsoft.com/office/powerpoint/2010/main" Requires="p14">
+        <mc:AlternateContent xmlns:mc="http://schemas.openxmlformats.org/markup-compatibility/2006" xmlns:p14="http://schemas.microsoft.com/office/powerpoint/2010/main">
+          <mc:Choice Requires="p14">
             <p:contentPart p14:bwMode="auto" r:id="rId6">
               <p14:nvContentPartPr>
                 <p14:cNvPr id="22" name="Ink 21">
@@ -42100,7 +41683,7 @@
               </p14:xfrm>
             </p:contentPart>
           </mc:Choice>
-          <mc:Fallback>
+          <mc:Fallback xmlns="">
             <p:pic>
               <p:nvPicPr>
                 <p:cNvPr id="22" name="Ink 21">
@@ -42131,8 +41714,8 @@
             </p:pic>
           </mc:Fallback>
         </mc:AlternateContent>
-        <mc:AlternateContent xmlns:mc="http://schemas.openxmlformats.org/markup-compatibility/2006">
-          <mc:Choice xmlns:p14="http://schemas.microsoft.com/office/powerpoint/2010/main" Requires="p14">
+        <mc:AlternateContent xmlns:mc="http://schemas.openxmlformats.org/markup-compatibility/2006" xmlns:p14="http://schemas.microsoft.com/office/powerpoint/2010/main">
+          <mc:Choice Requires="p14">
             <p:contentPart p14:bwMode="auto" r:id="rId7">
               <p14:nvContentPartPr>
                 <p14:cNvPr id="23" name="Ink 22">
@@ -42151,7 +41734,7 @@
               </p14:xfrm>
             </p:contentPart>
           </mc:Choice>
-          <mc:Fallback>
+          <mc:Fallback xmlns="">
             <p:pic>
               <p:nvPicPr>
                 <p:cNvPr id="23" name="Ink 22">
@@ -42183,8 +41766,8 @@
           </mc:Fallback>
         </mc:AlternateContent>
       </p:grpSp>
-      <mc:AlternateContent xmlns:mc="http://schemas.openxmlformats.org/markup-compatibility/2006">
-        <mc:Choice xmlns:p14="http://schemas.microsoft.com/office/powerpoint/2010/main" Requires="p14">
+      <mc:AlternateContent xmlns:mc="http://schemas.openxmlformats.org/markup-compatibility/2006" xmlns:p14="http://schemas.microsoft.com/office/powerpoint/2010/main">
+        <mc:Choice Requires="p14">
           <p:contentPart p14:bwMode="auto" r:id="rId8">
             <p14:nvContentPartPr>
               <p14:cNvPr id="52" name="Ink 51">
@@ -42203,7 +41786,7 @@
             </p14:xfrm>
           </p:contentPart>
         </mc:Choice>
-        <mc:Fallback>
+        <mc:Fallback xmlns="">
           <p:pic>
             <p:nvPicPr>
               <p:cNvPr id="52" name="Ink 51">
@@ -42254,8 +41837,8 @@
             <a:chExt cx="51120" cy="360"/>
           </a:xfrm>
         </p:grpSpPr>
-        <mc:AlternateContent xmlns:mc="http://schemas.openxmlformats.org/markup-compatibility/2006">
-          <mc:Choice xmlns:p14="http://schemas.microsoft.com/office/powerpoint/2010/main" Requires="p14">
+        <mc:AlternateContent xmlns:mc="http://schemas.openxmlformats.org/markup-compatibility/2006" xmlns:p14="http://schemas.microsoft.com/office/powerpoint/2010/main">
+          <mc:Choice Requires="p14">
             <p:contentPart p14:bwMode="auto" r:id="rId9">
               <p14:nvContentPartPr>
                 <p14:cNvPr id="54" name="Ink 53">
@@ -42274,7 +41857,7 @@
               </p14:xfrm>
             </p:contentPart>
           </mc:Choice>
-          <mc:Fallback>
+          <mc:Fallback xmlns="">
             <p:pic>
               <p:nvPicPr>
                 <p:cNvPr id="54" name="Ink 53">
@@ -42305,8 +41888,8 @@
             </p:pic>
           </mc:Fallback>
         </mc:AlternateContent>
-        <mc:AlternateContent xmlns:mc="http://schemas.openxmlformats.org/markup-compatibility/2006">
-          <mc:Choice xmlns:p14="http://schemas.microsoft.com/office/powerpoint/2010/main" Requires="p14">
+        <mc:AlternateContent xmlns:mc="http://schemas.openxmlformats.org/markup-compatibility/2006" xmlns:p14="http://schemas.microsoft.com/office/powerpoint/2010/main">
+          <mc:Choice Requires="p14">
             <p:contentPart p14:bwMode="auto" r:id="rId10">
               <p14:nvContentPartPr>
                 <p14:cNvPr id="55" name="Ink 54">
@@ -42325,7 +41908,7 @@
               </p14:xfrm>
             </p:contentPart>
           </mc:Choice>
-          <mc:Fallback>
+          <mc:Fallback xmlns="">
             <p:pic>
               <p:nvPicPr>
                 <p:cNvPr id="55" name="Ink 54">
@@ -42357,8 +41940,8 @@
           </mc:Fallback>
         </mc:AlternateContent>
       </p:grpSp>
-      <mc:AlternateContent xmlns:mc="http://schemas.openxmlformats.org/markup-compatibility/2006">
-        <mc:Choice xmlns:p14="http://schemas.microsoft.com/office/powerpoint/2010/main" Requires="p14">
+      <mc:AlternateContent xmlns:mc="http://schemas.openxmlformats.org/markup-compatibility/2006" xmlns:p14="http://schemas.microsoft.com/office/powerpoint/2010/main">
+        <mc:Choice Requires="p14">
           <p:contentPart p14:bwMode="auto" r:id="rId11">
             <p14:nvContentPartPr>
               <p14:cNvPr id="57" name="Ink 56">
@@ -42377,7 +41960,7 @@
             </p14:xfrm>
           </p:contentPart>
         </mc:Choice>
-        <mc:Fallback>
+        <mc:Fallback xmlns="">
           <p:pic>
             <p:nvPicPr>
               <p:cNvPr id="57" name="Ink 56">
@@ -42408,8 +41991,8 @@
           </p:pic>
         </mc:Fallback>
       </mc:AlternateContent>
-      <mc:AlternateContent xmlns:mc="http://schemas.openxmlformats.org/markup-compatibility/2006">
-        <mc:Choice xmlns:p14="http://schemas.microsoft.com/office/powerpoint/2010/main" Requires="p14">
+      <mc:AlternateContent xmlns:mc="http://schemas.openxmlformats.org/markup-compatibility/2006" xmlns:p14="http://schemas.microsoft.com/office/powerpoint/2010/main">
+        <mc:Choice Requires="p14">
           <p:contentPart p14:bwMode="auto" r:id="rId12">
             <p14:nvContentPartPr>
               <p14:cNvPr id="58" name="Ink 57">
@@ -42428,7 +42011,7 @@
             </p14:xfrm>
           </p:contentPart>
         </mc:Choice>
-        <mc:Fallback>
+        <mc:Fallback xmlns="">
           <p:pic>
             <p:nvPicPr>
               <p:cNvPr id="58" name="Ink 57">
@@ -42459,8 +42042,8 @@
           </p:pic>
         </mc:Fallback>
       </mc:AlternateContent>
-      <mc:AlternateContent xmlns:mc="http://schemas.openxmlformats.org/markup-compatibility/2006">
-        <mc:Choice xmlns:p14="http://schemas.microsoft.com/office/powerpoint/2010/main" Requires="p14">
+      <mc:AlternateContent xmlns:mc="http://schemas.openxmlformats.org/markup-compatibility/2006" xmlns:p14="http://schemas.microsoft.com/office/powerpoint/2010/main">
+        <mc:Choice Requires="p14">
           <p:contentPart p14:bwMode="auto" r:id="rId13">
             <p14:nvContentPartPr>
               <p14:cNvPr id="59" name="Ink 58">
@@ -42479,7 +42062,7 @@
             </p14:xfrm>
           </p:contentPart>
         </mc:Choice>
-        <mc:Fallback>
+        <mc:Fallback xmlns="">
           <p:pic>
             <p:nvPicPr>
               <p:cNvPr id="59" name="Ink 58">
@@ -42530,8 +42113,8 @@
             <a:chExt cx="20520" cy="30960"/>
           </a:xfrm>
         </p:grpSpPr>
-        <mc:AlternateContent xmlns:mc="http://schemas.openxmlformats.org/markup-compatibility/2006">
-          <mc:Choice xmlns:p14="http://schemas.microsoft.com/office/powerpoint/2010/main" Requires="p14">
+        <mc:AlternateContent xmlns:mc="http://schemas.openxmlformats.org/markup-compatibility/2006" xmlns:p14="http://schemas.microsoft.com/office/powerpoint/2010/main">
+          <mc:Choice Requires="p14">
             <p:contentPart p14:bwMode="auto" r:id="rId14">
               <p14:nvContentPartPr>
                 <p14:cNvPr id="60" name="Ink 59">
@@ -42550,7 +42133,7 @@
               </p14:xfrm>
             </p:contentPart>
           </mc:Choice>
-          <mc:Fallback>
+          <mc:Fallback xmlns="">
             <p:pic>
               <p:nvPicPr>
                 <p:cNvPr id="60" name="Ink 59">
@@ -42581,8 +42164,8 @@
             </p:pic>
           </mc:Fallback>
         </mc:AlternateContent>
-        <mc:AlternateContent xmlns:mc="http://schemas.openxmlformats.org/markup-compatibility/2006">
-          <mc:Choice xmlns:p14="http://schemas.microsoft.com/office/powerpoint/2010/main" Requires="p14">
+        <mc:AlternateContent xmlns:mc="http://schemas.openxmlformats.org/markup-compatibility/2006" xmlns:p14="http://schemas.microsoft.com/office/powerpoint/2010/main">
+          <mc:Choice Requires="p14">
             <p:contentPart p14:bwMode="auto" r:id="rId15">
               <p14:nvContentPartPr>
                 <p14:cNvPr id="61" name="Ink 60">
@@ -42601,7 +42184,7 @@
               </p14:xfrm>
             </p:contentPart>
           </mc:Choice>
-          <mc:Fallback>
+          <mc:Fallback xmlns="">
             <p:pic>
               <p:nvPicPr>
                 <p:cNvPr id="61" name="Ink 60">
@@ -42633,6 +42216,36 @@
           </mc:Fallback>
         </mc:AlternateContent>
       </p:grpSp>
+      <p:pic>
+        <p:nvPicPr>
+          <p:cNvPr id="4" name="Picture 3">
+            <a:extLst>
+              <a:ext uri="{FF2B5EF4-FFF2-40B4-BE49-F238E27FC236}">
+                <a16:creationId xmlns:a16="http://schemas.microsoft.com/office/drawing/2014/main" id="{7F2D1186-FD35-4CFE-81BA-450981A5298C}"/>
+              </a:ext>
+            </a:extLst>
+          </p:cNvPr>
+          <p:cNvPicPr>
+            <a:picLocks noChangeAspect="1"/>
+          </p:cNvPicPr>
+          <p:nvPr/>
+        </p:nvPicPr>
+        <p:blipFill>
+          <a:blip r:embed="rId16"/>
+          <a:stretch>
+            <a:fillRect/>
+          </a:stretch>
+        </p:blipFill>
+        <p:spPr>
+          <a:xfrm>
+            <a:off x="2426282" y="5615506"/>
+            <a:ext cx="5358848" cy="499915"/>
+          </a:xfrm>
+          <a:prstGeom prst="rect">
+            <a:avLst/>
+          </a:prstGeom>
+        </p:spPr>
+      </p:pic>
     </p:spTree>
     <p:extLst>
       <p:ext uri="{BB962C8B-B14F-4D97-AF65-F5344CB8AC3E}">
